--- a/SearchAlgorithms/Routing.pptx
+++ b/SearchAlgorithms/Routing.pptx
@@ -8,6 +8,7 @@
     <p:sldId id="256" r:id="rId2"/>
     <p:sldId id="258" r:id="rId3"/>
     <p:sldId id="259" r:id="rId4"/>
+    <p:sldId id="260" r:id="rId5"/>
   </p:sldIdLst>
   <p:sldSz cx="12192000" cy="6858000"/>
   <p:notesSz cx="6858000" cy="9144000"/>
@@ -2871,6 +2872,3999 @@
 </cs:chartStyle>
 </file>
 
+<file path=ppt/diagrams/colors1.xml><?xml version="1.0" encoding="utf-8"?>
+<dgm:colorsDef xmlns:dgm="http://schemas.openxmlformats.org/drawingml/2006/diagram" xmlns:a="http://schemas.openxmlformats.org/drawingml/2006/main" uniqueId="urn:microsoft.com/office/officeart/2005/8/colors/accent1_2">
+  <dgm:title val=""/>
+  <dgm:desc val=""/>
+  <dgm:catLst>
+    <dgm:cat type="accent1" pri="11200"/>
+  </dgm:catLst>
+  <dgm:styleLbl name="node0">
+    <dgm:fillClrLst meth="repeat">
+      <a:schemeClr val="accent1"/>
+    </dgm:fillClrLst>
+    <dgm:linClrLst meth="repeat">
+      <a:schemeClr val="lt1"/>
+    </dgm:linClrLst>
+    <dgm:effectClrLst/>
+    <dgm:txLinClrLst/>
+    <dgm:txFillClrLst/>
+    <dgm:txEffectClrLst/>
+  </dgm:styleLbl>
+  <dgm:styleLbl name="alignNode1">
+    <dgm:fillClrLst meth="repeat">
+      <a:schemeClr val="accent1"/>
+    </dgm:fillClrLst>
+    <dgm:linClrLst meth="repeat">
+      <a:schemeClr val="accent1"/>
+    </dgm:linClrLst>
+    <dgm:effectClrLst/>
+    <dgm:txLinClrLst/>
+    <dgm:txFillClrLst/>
+    <dgm:txEffectClrLst/>
+  </dgm:styleLbl>
+  <dgm:styleLbl name="node1">
+    <dgm:fillClrLst meth="repeat">
+      <a:schemeClr val="accent1"/>
+    </dgm:fillClrLst>
+    <dgm:linClrLst meth="repeat">
+      <a:schemeClr val="lt1"/>
+    </dgm:linClrLst>
+    <dgm:effectClrLst/>
+    <dgm:txLinClrLst/>
+    <dgm:txFillClrLst/>
+    <dgm:txEffectClrLst/>
+  </dgm:styleLbl>
+  <dgm:styleLbl name="lnNode1">
+    <dgm:fillClrLst meth="repeat">
+      <a:schemeClr val="accent1"/>
+    </dgm:fillClrLst>
+    <dgm:linClrLst meth="repeat">
+      <a:schemeClr val="lt1"/>
+    </dgm:linClrLst>
+    <dgm:effectClrLst/>
+    <dgm:txLinClrLst/>
+    <dgm:txFillClrLst/>
+    <dgm:txEffectClrLst/>
+  </dgm:styleLbl>
+  <dgm:styleLbl name="vennNode1">
+    <dgm:fillClrLst meth="repeat">
+      <a:schemeClr val="accent1">
+        <a:alpha val="50000"/>
+      </a:schemeClr>
+    </dgm:fillClrLst>
+    <dgm:linClrLst meth="repeat">
+      <a:schemeClr val="lt1"/>
+    </dgm:linClrLst>
+    <dgm:effectClrLst/>
+    <dgm:txLinClrLst/>
+    <dgm:txFillClrLst/>
+    <dgm:txEffectClrLst/>
+  </dgm:styleLbl>
+  <dgm:styleLbl name="node2">
+    <dgm:fillClrLst meth="repeat">
+      <a:schemeClr val="accent1"/>
+    </dgm:fillClrLst>
+    <dgm:linClrLst meth="repeat">
+      <a:schemeClr val="lt1"/>
+    </dgm:linClrLst>
+    <dgm:effectClrLst/>
+    <dgm:txLinClrLst/>
+    <dgm:txFillClrLst/>
+    <dgm:txEffectClrLst/>
+  </dgm:styleLbl>
+  <dgm:styleLbl name="node3">
+    <dgm:fillClrLst meth="repeat">
+      <a:schemeClr val="accent1"/>
+    </dgm:fillClrLst>
+    <dgm:linClrLst meth="repeat">
+      <a:schemeClr val="lt1"/>
+    </dgm:linClrLst>
+    <dgm:effectClrLst/>
+    <dgm:txLinClrLst/>
+    <dgm:txFillClrLst/>
+    <dgm:txEffectClrLst/>
+  </dgm:styleLbl>
+  <dgm:styleLbl name="node4">
+    <dgm:fillClrLst meth="repeat">
+      <a:schemeClr val="accent1"/>
+    </dgm:fillClrLst>
+    <dgm:linClrLst meth="repeat">
+      <a:schemeClr val="lt1"/>
+    </dgm:linClrLst>
+    <dgm:effectClrLst/>
+    <dgm:txLinClrLst/>
+    <dgm:txFillClrLst/>
+    <dgm:txEffectClrLst/>
+  </dgm:styleLbl>
+  <dgm:styleLbl name="fgImgPlace1">
+    <dgm:fillClrLst meth="repeat">
+      <a:schemeClr val="accent1">
+        <a:tint val="50000"/>
+      </a:schemeClr>
+    </dgm:fillClrLst>
+    <dgm:linClrLst meth="repeat">
+      <a:schemeClr val="lt1"/>
+    </dgm:linClrLst>
+    <dgm:effectClrLst/>
+    <dgm:txLinClrLst/>
+    <dgm:txFillClrLst meth="repeat">
+      <a:schemeClr val="lt1"/>
+    </dgm:txFillClrLst>
+    <dgm:txEffectClrLst/>
+  </dgm:styleLbl>
+  <dgm:styleLbl name="alignImgPlace1">
+    <dgm:fillClrLst meth="repeat">
+      <a:schemeClr val="accent1">
+        <a:tint val="50000"/>
+      </a:schemeClr>
+    </dgm:fillClrLst>
+    <dgm:linClrLst meth="repeat">
+      <a:schemeClr val="lt1"/>
+    </dgm:linClrLst>
+    <dgm:effectClrLst/>
+    <dgm:txLinClrLst/>
+    <dgm:txFillClrLst meth="repeat">
+      <a:schemeClr val="lt1"/>
+    </dgm:txFillClrLst>
+    <dgm:txEffectClrLst/>
+  </dgm:styleLbl>
+  <dgm:styleLbl name="bgImgPlace1">
+    <dgm:fillClrLst meth="repeat">
+      <a:schemeClr val="accent1">
+        <a:tint val="50000"/>
+      </a:schemeClr>
+    </dgm:fillClrLst>
+    <dgm:linClrLst meth="repeat">
+      <a:schemeClr val="lt1"/>
+    </dgm:linClrLst>
+    <dgm:effectClrLst/>
+    <dgm:txLinClrLst/>
+    <dgm:txFillClrLst meth="repeat">
+      <a:schemeClr val="lt1"/>
+    </dgm:txFillClrLst>
+    <dgm:txEffectClrLst/>
+  </dgm:styleLbl>
+  <dgm:styleLbl name="sibTrans2D1">
+    <dgm:fillClrLst meth="repeat">
+      <a:schemeClr val="accent1">
+        <a:tint val="60000"/>
+      </a:schemeClr>
+    </dgm:fillClrLst>
+    <dgm:linClrLst meth="repeat">
+      <a:schemeClr val="accent1">
+        <a:tint val="60000"/>
+      </a:schemeClr>
+    </dgm:linClrLst>
+    <dgm:effectClrLst/>
+    <dgm:txLinClrLst/>
+    <dgm:txFillClrLst/>
+    <dgm:txEffectClrLst/>
+  </dgm:styleLbl>
+  <dgm:styleLbl name="fgSibTrans2D1">
+    <dgm:fillClrLst meth="repeat">
+      <a:schemeClr val="accent1">
+        <a:tint val="60000"/>
+      </a:schemeClr>
+    </dgm:fillClrLst>
+    <dgm:linClrLst meth="repeat">
+      <a:schemeClr val="accent1">
+        <a:tint val="60000"/>
+      </a:schemeClr>
+    </dgm:linClrLst>
+    <dgm:effectClrLst/>
+    <dgm:txLinClrLst/>
+    <dgm:txFillClrLst/>
+    <dgm:txEffectClrLst/>
+  </dgm:styleLbl>
+  <dgm:styleLbl name="bgSibTrans2D1">
+    <dgm:fillClrLst meth="repeat">
+      <a:schemeClr val="accent1">
+        <a:tint val="60000"/>
+      </a:schemeClr>
+    </dgm:fillClrLst>
+    <dgm:linClrLst meth="repeat">
+      <a:schemeClr val="accent1">
+        <a:tint val="60000"/>
+      </a:schemeClr>
+    </dgm:linClrLst>
+    <dgm:effectClrLst/>
+    <dgm:txLinClrLst/>
+    <dgm:txFillClrLst/>
+    <dgm:txEffectClrLst/>
+  </dgm:styleLbl>
+  <dgm:styleLbl name="sibTrans1D1">
+    <dgm:fillClrLst meth="repeat">
+      <a:schemeClr val="accent1"/>
+    </dgm:fillClrLst>
+    <dgm:linClrLst meth="repeat">
+      <a:schemeClr val="accent1"/>
+    </dgm:linClrLst>
+    <dgm:effectClrLst/>
+    <dgm:txLinClrLst/>
+    <dgm:txFillClrLst meth="repeat">
+      <a:schemeClr val="tx1"/>
+    </dgm:txFillClrLst>
+    <dgm:txEffectClrLst/>
+  </dgm:styleLbl>
+  <dgm:styleLbl name="callout">
+    <dgm:fillClrLst meth="repeat">
+      <a:schemeClr val="accent1"/>
+    </dgm:fillClrLst>
+    <dgm:linClrLst meth="repeat">
+      <a:schemeClr val="accent1">
+        <a:tint val="50000"/>
+      </a:schemeClr>
+    </dgm:linClrLst>
+    <dgm:effectClrLst/>
+    <dgm:txLinClrLst/>
+    <dgm:txFillClrLst meth="repeat">
+      <a:schemeClr val="tx1"/>
+    </dgm:txFillClrLst>
+    <dgm:txEffectClrLst/>
+  </dgm:styleLbl>
+  <dgm:styleLbl name="asst0">
+    <dgm:fillClrLst meth="repeat">
+      <a:schemeClr val="accent1"/>
+    </dgm:fillClrLst>
+    <dgm:linClrLst meth="repeat">
+      <a:schemeClr val="lt1"/>
+    </dgm:linClrLst>
+    <dgm:effectClrLst/>
+    <dgm:txLinClrLst/>
+    <dgm:txFillClrLst/>
+    <dgm:txEffectClrLst/>
+  </dgm:styleLbl>
+  <dgm:styleLbl name="asst1">
+    <dgm:fillClrLst meth="repeat">
+      <a:schemeClr val="accent1"/>
+    </dgm:fillClrLst>
+    <dgm:linClrLst meth="repeat">
+      <a:schemeClr val="lt1"/>
+    </dgm:linClrLst>
+    <dgm:effectClrLst/>
+    <dgm:txLinClrLst/>
+    <dgm:txFillClrLst/>
+    <dgm:txEffectClrLst/>
+  </dgm:styleLbl>
+  <dgm:styleLbl name="asst2">
+    <dgm:fillClrLst meth="repeat">
+      <a:schemeClr val="accent1"/>
+    </dgm:fillClrLst>
+    <dgm:linClrLst meth="repeat">
+      <a:schemeClr val="lt1"/>
+    </dgm:linClrLst>
+    <dgm:effectClrLst/>
+    <dgm:txLinClrLst/>
+    <dgm:txFillClrLst/>
+    <dgm:txEffectClrLst/>
+  </dgm:styleLbl>
+  <dgm:styleLbl name="asst3">
+    <dgm:fillClrLst meth="repeat">
+      <a:schemeClr val="accent1"/>
+    </dgm:fillClrLst>
+    <dgm:linClrLst meth="repeat">
+      <a:schemeClr val="lt1"/>
+    </dgm:linClrLst>
+    <dgm:effectClrLst/>
+    <dgm:txLinClrLst/>
+    <dgm:txFillClrLst/>
+    <dgm:txEffectClrLst/>
+  </dgm:styleLbl>
+  <dgm:styleLbl name="asst4">
+    <dgm:fillClrLst meth="repeat">
+      <a:schemeClr val="accent1"/>
+    </dgm:fillClrLst>
+    <dgm:linClrLst meth="repeat">
+      <a:schemeClr val="lt1"/>
+    </dgm:linClrLst>
+    <dgm:effectClrLst/>
+    <dgm:txLinClrLst/>
+    <dgm:txFillClrLst/>
+    <dgm:txEffectClrLst/>
+  </dgm:styleLbl>
+  <dgm:styleLbl name="parChTrans2D1">
+    <dgm:fillClrLst meth="repeat">
+      <a:schemeClr val="accent1">
+        <a:tint val="60000"/>
+      </a:schemeClr>
+    </dgm:fillClrLst>
+    <dgm:linClrLst meth="repeat">
+      <a:schemeClr val="accent1">
+        <a:tint val="60000"/>
+      </a:schemeClr>
+    </dgm:linClrLst>
+    <dgm:effectClrLst/>
+    <dgm:txLinClrLst/>
+    <dgm:txFillClrLst meth="repeat">
+      <a:schemeClr val="lt1"/>
+    </dgm:txFillClrLst>
+    <dgm:txEffectClrLst/>
+  </dgm:styleLbl>
+  <dgm:styleLbl name="parChTrans2D2">
+    <dgm:fillClrLst meth="repeat">
+      <a:schemeClr val="accent1"/>
+    </dgm:fillClrLst>
+    <dgm:linClrLst meth="repeat">
+      <a:schemeClr val="accent1"/>
+    </dgm:linClrLst>
+    <dgm:effectClrLst/>
+    <dgm:txLinClrLst/>
+    <dgm:txFillClrLst meth="repeat">
+      <a:schemeClr val="lt1"/>
+    </dgm:txFillClrLst>
+    <dgm:txEffectClrLst/>
+  </dgm:styleLbl>
+  <dgm:styleLbl name="parChTrans2D3">
+    <dgm:fillClrLst meth="repeat">
+      <a:schemeClr val="accent1"/>
+    </dgm:fillClrLst>
+    <dgm:linClrLst meth="repeat">
+      <a:schemeClr val="accent1"/>
+    </dgm:linClrLst>
+    <dgm:effectClrLst/>
+    <dgm:txLinClrLst/>
+    <dgm:txFillClrLst meth="repeat">
+      <a:schemeClr val="lt1"/>
+    </dgm:txFillClrLst>
+    <dgm:txEffectClrLst/>
+  </dgm:styleLbl>
+  <dgm:styleLbl name="parChTrans2D4">
+    <dgm:fillClrLst meth="repeat">
+      <a:schemeClr val="accent1"/>
+    </dgm:fillClrLst>
+    <dgm:linClrLst meth="repeat">
+      <a:schemeClr val="accent1"/>
+    </dgm:linClrLst>
+    <dgm:effectClrLst/>
+    <dgm:txLinClrLst/>
+    <dgm:txFillClrLst meth="repeat">
+      <a:schemeClr val="lt1"/>
+    </dgm:txFillClrLst>
+    <dgm:txEffectClrLst/>
+  </dgm:styleLbl>
+  <dgm:styleLbl name="parChTrans1D1">
+    <dgm:fillClrLst meth="repeat">
+      <a:schemeClr val="accent1"/>
+    </dgm:fillClrLst>
+    <dgm:linClrLst meth="repeat">
+      <a:schemeClr val="accent1">
+        <a:shade val="60000"/>
+      </a:schemeClr>
+    </dgm:linClrLst>
+    <dgm:effectClrLst/>
+    <dgm:txLinClrLst/>
+    <dgm:txFillClrLst meth="repeat">
+      <a:schemeClr val="tx1"/>
+    </dgm:txFillClrLst>
+    <dgm:txEffectClrLst/>
+  </dgm:styleLbl>
+  <dgm:styleLbl name="parChTrans1D2">
+    <dgm:fillClrLst meth="repeat">
+      <a:schemeClr val="accent1"/>
+    </dgm:fillClrLst>
+    <dgm:linClrLst meth="repeat">
+      <a:schemeClr val="accent1">
+        <a:shade val="60000"/>
+      </a:schemeClr>
+    </dgm:linClrLst>
+    <dgm:effectClrLst/>
+    <dgm:txLinClrLst/>
+    <dgm:txFillClrLst meth="repeat">
+      <a:schemeClr val="tx1"/>
+    </dgm:txFillClrLst>
+    <dgm:txEffectClrLst/>
+  </dgm:styleLbl>
+  <dgm:styleLbl name="parChTrans1D3">
+    <dgm:fillClrLst meth="repeat">
+      <a:schemeClr val="accent1"/>
+    </dgm:fillClrLst>
+    <dgm:linClrLst meth="repeat">
+      <a:schemeClr val="accent1">
+        <a:shade val="80000"/>
+      </a:schemeClr>
+    </dgm:linClrLst>
+    <dgm:effectClrLst/>
+    <dgm:txLinClrLst/>
+    <dgm:txFillClrLst meth="repeat">
+      <a:schemeClr val="tx1"/>
+    </dgm:txFillClrLst>
+    <dgm:txEffectClrLst/>
+  </dgm:styleLbl>
+  <dgm:styleLbl name="parChTrans1D4">
+    <dgm:fillClrLst meth="repeat">
+      <a:schemeClr val="accent1"/>
+    </dgm:fillClrLst>
+    <dgm:linClrLst meth="repeat">
+      <a:schemeClr val="accent1">
+        <a:shade val="80000"/>
+      </a:schemeClr>
+    </dgm:linClrLst>
+    <dgm:effectClrLst/>
+    <dgm:txLinClrLst/>
+    <dgm:txFillClrLst meth="repeat">
+      <a:schemeClr val="tx1"/>
+    </dgm:txFillClrLst>
+    <dgm:txEffectClrLst/>
+  </dgm:styleLbl>
+  <dgm:styleLbl name="fgAcc1">
+    <dgm:fillClrLst meth="repeat">
+      <a:schemeClr val="lt1">
+        <a:alpha val="90000"/>
+      </a:schemeClr>
+    </dgm:fillClrLst>
+    <dgm:linClrLst meth="repeat">
+      <a:schemeClr val="accent1"/>
+    </dgm:linClrLst>
+    <dgm:effectClrLst/>
+    <dgm:txLinClrLst/>
+    <dgm:txFillClrLst meth="repeat">
+      <a:schemeClr val="dk1"/>
+    </dgm:txFillClrLst>
+    <dgm:txEffectClrLst/>
+  </dgm:styleLbl>
+  <dgm:styleLbl name="conFgAcc1">
+    <dgm:fillClrLst meth="repeat">
+      <a:schemeClr val="lt1">
+        <a:alpha val="90000"/>
+      </a:schemeClr>
+    </dgm:fillClrLst>
+    <dgm:linClrLst meth="repeat">
+      <a:schemeClr val="accent1"/>
+    </dgm:linClrLst>
+    <dgm:effectClrLst/>
+    <dgm:txLinClrLst/>
+    <dgm:txFillClrLst meth="repeat">
+      <a:schemeClr val="dk1"/>
+    </dgm:txFillClrLst>
+    <dgm:txEffectClrLst/>
+  </dgm:styleLbl>
+  <dgm:styleLbl name="alignAcc1">
+    <dgm:fillClrLst meth="repeat">
+      <a:schemeClr val="lt1">
+        <a:alpha val="90000"/>
+      </a:schemeClr>
+    </dgm:fillClrLst>
+    <dgm:linClrLst meth="repeat">
+      <a:schemeClr val="accent1"/>
+    </dgm:linClrLst>
+    <dgm:effectClrLst/>
+    <dgm:txLinClrLst/>
+    <dgm:txFillClrLst meth="repeat">
+      <a:schemeClr val="dk1"/>
+    </dgm:txFillClrLst>
+    <dgm:txEffectClrLst/>
+  </dgm:styleLbl>
+  <dgm:styleLbl name="trAlignAcc1">
+    <dgm:fillClrLst meth="repeat">
+      <a:schemeClr val="lt1">
+        <a:alpha val="40000"/>
+      </a:schemeClr>
+    </dgm:fillClrLst>
+    <dgm:linClrLst meth="repeat">
+      <a:schemeClr val="accent1"/>
+    </dgm:linClrLst>
+    <dgm:effectClrLst/>
+    <dgm:txLinClrLst/>
+    <dgm:txFillClrLst meth="repeat">
+      <a:schemeClr val="dk1"/>
+    </dgm:txFillClrLst>
+    <dgm:txEffectClrLst/>
+  </dgm:styleLbl>
+  <dgm:styleLbl name="bgAcc1">
+    <dgm:fillClrLst meth="repeat">
+      <a:schemeClr val="lt1">
+        <a:alpha val="90000"/>
+      </a:schemeClr>
+    </dgm:fillClrLst>
+    <dgm:linClrLst meth="repeat">
+      <a:schemeClr val="accent1"/>
+    </dgm:linClrLst>
+    <dgm:effectClrLst/>
+    <dgm:txLinClrLst/>
+    <dgm:txFillClrLst meth="repeat">
+      <a:schemeClr val="dk1"/>
+    </dgm:txFillClrLst>
+    <dgm:txEffectClrLst/>
+  </dgm:styleLbl>
+  <dgm:styleLbl name="solidFgAcc1">
+    <dgm:fillClrLst meth="repeat">
+      <a:schemeClr val="lt1"/>
+    </dgm:fillClrLst>
+    <dgm:linClrLst meth="repeat">
+      <a:schemeClr val="accent1"/>
+    </dgm:linClrLst>
+    <dgm:effectClrLst/>
+    <dgm:txLinClrLst/>
+    <dgm:txFillClrLst meth="repeat">
+      <a:schemeClr val="dk1"/>
+    </dgm:txFillClrLst>
+    <dgm:txEffectClrLst/>
+  </dgm:styleLbl>
+  <dgm:styleLbl name="solidAlignAcc1">
+    <dgm:fillClrLst meth="repeat">
+      <a:schemeClr val="lt1"/>
+    </dgm:fillClrLst>
+    <dgm:linClrLst meth="repeat">
+      <a:schemeClr val="accent1"/>
+    </dgm:linClrLst>
+    <dgm:effectClrLst/>
+    <dgm:txLinClrLst/>
+    <dgm:txFillClrLst meth="repeat">
+      <a:schemeClr val="dk1"/>
+    </dgm:txFillClrLst>
+    <dgm:txEffectClrLst/>
+  </dgm:styleLbl>
+  <dgm:styleLbl name="solidBgAcc1">
+    <dgm:fillClrLst meth="repeat">
+      <a:schemeClr val="lt1"/>
+    </dgm:fillClrLst>
+    <dgm:linClrLst meth="repeat">
+      <a:schemeClr val="accent1"/>
+    </dgm:linClrLst>
+    <dgm:effectClrLst/>
+    <dgm:txLinClrLst/>
+    <dgm:txFillClrLst meth="repeat">
+      <a:schemeClr val="dk1"/>
+    </dgm:txFillClrLst>
+    <dgm:txEffectClrLst/>
+  </dgm:styleLbl>
+  <dgm:styleLbl name="fgAccFollowNode1">
+    <dgm:fillClrLst meth="repeat">
+      <a:schemeClr val="accent1">
+        <a:alpha val="90000"/>
+        <a:tint val="40000"/>
+      </a:schemeClr>
+    </dgm:fillClrLst>
+    <dgm:linClrLst meth="repeat">
+      <a:schemeClr val="accent1">
+        <a:alpha val="90000"/>
+        <a:tint val="40000"/>
+      </a:schemeClr>
+    </dgm:linClrLst>
+    <dgm:effectClrLst/>
+    <dgm:txLinClrLst/>
+    <dgm:txFillClrLst meth="repeat">
+      <a:schemeClr val="dk1"/>
+    </dgm:txFillClrLst>
+    <dgm:txEffectClrLst/>
+  </dgm:styleLbl>
+  <dgm:styleLbl name="alignAccFollowNode1">
+    <dgm:fillClrLst meth="repeat">
+      <a:schemeClr val="accent1">
+        <a:alpha val="90000"/>
+        <a:tint val="40000"/>
+      </a:schemeClr>
+    </dgm:fillClrLst>
+    <dgm:linClrLst meth="repeat">
+      <a:schemeClr val="accent1">
+        <a:alpha val="90000"/>
+        <a:tint val="40000"/>
+      </a:schemeClr>
+    </dgm:linClrLst>
+    <dgm:effectClrLst/>
+    <dgm:txLinClrLst/>
+    <dgm:txFillClrLst meth="repeat">
+      <a:schemeClr val="dk1"/>
+    </dgm:txFillClrLst>
+    <dgm:txEffectClrLst/>
+  </dgm:styleLbl>
+  <dgm:styleLbl name="bgAccFollowNode1">
+    <dgm:fillClrLst meth="repeat">
+      <a:schemeClr val="accent1">
+        <a:alpha val="90000"/>
+        <a:tint val="40000"/>
+      </a:schemeClr>
+    </dgm:fillClrLst>
+    <dgm:linClrLst meth="repeat">
+      <a:schemeClr val="accent1">
+        <a:alpha val="90000"/>
+        <a:tint val="40000"/>
+      </a:schemeClr>
+    </dgm:linClrLst>
+    <dgm:effectClrLst/>
+    <dgm:txLinClrLst/>
+    <dgm:txFillClrLst meth="repeat">
+      <a:schemeClr val="dk1"/>
+    </dgm:txFillClrLst>
+    <dgm:txEffectClrLst/>
+  </dgm:styleLbl>
+  <dgm:styleLbl name="fgAcc0">
+    <dgm:fillClrLst meth="repeat">
+      <a:schemeClr val="lt1">
+        <a:alpha val="90000"/>
+      </a:schemeClr>
+    </dgm:fillClrLst>
+    <dgm:linClrLst meth="repeat">
+      <a:schemeClr val="accent1"/>
+    </dgm:linClrLst>
+    <dgm:effectClrLst/>
+    <dgm:txLinClrLst/>
+    <dgm:txFillClrLst meth="repeat">
+      <a:schemeClr val="dk1"/>
+    </dgm:txFillClrLst>
+    <dgm:txEffectClrLst/>
+  </dgm:styleLbl>
+  <dgm:styleLbl name="fgAcc2">
+    <dgm:fillClrLst meth="repeat">
+      <a:schemeClr val="lt1">
+        <a:alpha val="90000"/>
+      </a:schemeClr>
+    </dgm:fillClrLst>
+    <dgm:linClrLst meth="repeat">
+      <a:schemeClr val="accent1"/>
+    </dgm:linClrLst>
+    <dgm:effectClrLst/>
+    <dgm:txLinClrLst/>
+    <dgm:txFillClrLst meth="repeat">
+      <a:schemeClr val="dk1"/>
+    </dgm:txFillClrLst>
+    <dgm:txEffectClrLst/>
+  </dgm:styleLbl>
+  <dgm:styleLbl name="fgAcc3">
+    <dgm:fillClrLst meth="repeat">
+      <a:schemeClr val="lt1">
+        <a:alpha val="90000"/>
+      </a:schemeClr>
+    </dgm:fillClrLst>
+    <dgm:linClrLst meth="repeat">
+      <a:schemeClr val="accent1"/>
+    </dgm:linClrLst>
+    <dgm:effectClrLst/>
+    <dgm:txLinClrLst/>
+    <dgm:txFillClrLst meth="repeat">
+      <a:schemeClr val="dk1"/>
+    </dgm:txFillClrLst>
+    <dgm:txEffectClrLst/>
+  </dgm:styleLbl>
+  <dgm:styleLbl name="fgAcc4">
+    <dgm:fillClrLst meth="repeat">
+      <a:schemeClr val="lt1">
+        <a:alpha val="90000"/>
+      </a:schemeClr>
+    </dgm:fillClrLst>
+    <dgm:linClrLst meth="repeat">
+      <a:schemeClr val="accent1"/>
+    </dgm:linClrLst>
+    <dgm:effectClrLst/>
+    <dgm:txLinClrLst/>
+    <dgm:txFillClrLst meth="repeat">
+      <a:schemeClr val="dk1"/>
+    </dgm:txFillClrLst>
+    <dgm:txEffectClrLst/>
+  </dgm:styleLbl>
+  <dgm:styleLbl name="bgShp">
+    <dgm:fillClrLst meth="repeat">
+      <a:schemeClr val="accent1">
+        <a:tint val="40000"/>
+      </a:schemeClr>
+    </dgm:fillClrLst>
+    <dgm:linClrLst meth="repeat">
+      <a:schemeClr val="accent1"/>
+    </dgm:linClrLst>
+    <dgm:effectClrLst/>
+    <dgm:txLinClrLst/>
+    <dgm:txFillClrLst meth="repeat">
+      <a:schemeClr val="dk1"/>
+    </dgm:txFillClrLst>
+    <dgm:txEffectClrLst/>
+  </dgm:styleLbl>
+  <dgm:styleLbl name="dkBgShp">
+    <dgm:fillClrLst meth="repeat">
+      <a:schemeClr val="accent1">
+        <a:shade val="80000"/>
+      </a:schemeClr>
+    </dgm:fillClrLst>
+    <dgm:linClrLst meth="repeat">
+      <a:schemeClr val="accent1"/>
+    </dgm:linClrLst>
+    <dgm:effectClrLst/>
+    <dgm:txLinClrLst/>
+    <dgm:txFillClrLst meth="repeat">
+      <a:schemeClr val="lt1"/>
+    </dgm:txFillClrLst>
+    <dgm:txEffectClrLst/>
+  </dgm:styleLbl>
+  <dgm:styleLbl name="trBgShp">
+    <dgm:fillClrLst meth="repeat">
+      <a:schemeClr val="accent1">
+        <a:tint val="50000"/>
+        <a:alpha val="40000"/>
+      </a:schemeClr>
+    </dgm:fillClrLst>
+    <dgm:linClrLst meth="repeat">
+      <a:schemeClr val="accent1"/>
+    </dgm:linClrLst>
+    <dgm:effectClrLst/>
+    <dgm:txLinClrLst/>
+    <dgm:txFillClrLst meth="repeat">
+      <a:schemeClr val="lt1"/>
+    </dgm:txFillClrLst>
+    <dgm:txEffectClrLst/>
+  </dgm:styleLbl>
+  <dgm:styleLbl name="fgShp">
+    <dgm:fillClrLst meth="repeat">
+      <a:schemeClr val="accent1">
+        <a:tint val="60000"/>
+      </a:schemeClr>
+    </dgm:fillClrLst>
+    <dgm:linClrLst meth="repeat">
+      <a:schemeClr val="lt1"/>
+    </dgm:linClrLst>
+    <dgm:effectClrLst/>
+    <dgm:txLinClrLst/>
+    <dgm:txFillClrLst meth="repeat">
+      <a:schemeClr val="dk1"/>
+    </dgm:txFillClrLst>
+    <dgm:txEffectClrLst/>
+  </dgm:styleLbl>
+  <dgm:styleLbl name="revTx">
+    <dgm:fillClrLst meth="repeat">
+      <a:schemeClr val="lt1">
+        <a:alpha val="0"/>
+      </a:schemeClr>
+    </dgm:fillClrLst>
+    <dgm:linClrLst meth="repeat">
+      <a:schemeClr val="dk1">
+        <a:alpha val="0"/>
+      </a:schemeClr>
+    </dgm:linClrLst>
+    <dgm:effectClrLst/>
+    <dgm:txLinClrLst/>
+    <dgm:txFillClrLst meth="repeat">
+      <a:schemeClr val="tx1"/>
+    </dgm:txFillClrLst>
+    <dgm:txEffectClrLst/>
+  </dgm:styleLbl>
+</dgm:colorsDef>
+</file>
+
+<file path=ppt/diagrams/data1.xml><?xml version="1.0" encoding="utf-8"?>
+<dgm:dataModel xmlns:dgm="http://schemas.openxmlformats.org/drawingml/2006/diagram" xmlns:a="http://schemas.openxmlformats.org/drawingml/2006/main">
+  <dgm:ptLst>
+    <dgm:pt modelId="{330AC143-3FAE-42A7-8A43-838B5D1C142A}" type="doc">
+      <dgm:prSet loTypeId="urn:microsoft.com/office/officeart/2009/layout/CirclePictureHierarchy" loCatId="hierarchy" qsTypeId="urn:microsoft.com/office/officeart/2005/8/quickstyle/simple1" qsCatId="simple" csTypeId="urn:microsoft.com/office/officeart/2005/8/colors/accent1_2" csCatId="accent1" phldr="1"/>
+      <dgm:spPr/>
+      <dgm:t>
+        <a:bodyPr/>
+        <a:lstStyle/>
+        <a:p>
+          <a:endParaRPr lang="de-DE"/>
+        </a:p>
+      </dgm:t>
+    </dgm:pt>
+    <dgm:pt modelId="{76AB9A49-87DC-412B-9123-42D81E6D29F0}">
+      <dgm:prSet phldrT="[Text]" phldr="1"/>
+      <dgm:spPr/>
+      <dgm:t>
+        <a:bodyPr/>
+        <a:lstStyle/>
+        <a:p>
+          <a:endParaRPr lang="de-DE" dirty="0"/>
+        </a:p>
+      </dgm:t>
+    </dgm:pt>
+    <dgm:pt modelId="{CF8DC1B5-4A45-4B10-AB32-1AFE84F07118}" type="parTrans" cxnId="{3BF87B90-BF3F-446A-9ABC-DDA900A732A6}">
+      <dgm:prSet/>
+      <dgm:spPr/>
+      <dgm:t>
+        <a:bodyPr/>
+        <a:lstStyle/>
+        <a:p>
+          <a:endParaRPr lang="de-DE"/>
+        </a:p>
+      </dgm:t>
+    </dgm:pt>
+    <dgm:pt modelId="{19226124-F78E-4382-B27F-D0063E73AFE7}" type="sibTrans" cxnId="{3BF87B90-BF3F-446A-9ABC-DDA900A732A6}">
+      <dgm:prSet/>
+      <dgm:spPr/>
+      <dgm:t>
+        <a:bodyPr/>
+        <a:lstStyle/>
+        <a:p>
+          <a:endParaRPr lang="de-DE"/>
+        </a:p>
+      </dgm:t>
+    </dgm:pt>
+    <dgm:pt modelId="{B311C754-C9C3-4566-B203-1AFD23149080}">
+      <dgm:prSet phldrT="[Text]" phldr="1"/>
+      <dgm:spPr/>
+      <dgm:t>
+        <a:bodyPr/>
+        <a:lstStyle/>
+        <a:p>
+          <a:endParaRPr lang="de-DE" dirty="0"/>
+        </a:p>
+      </dgm:t>
+    </dgm:pt>
+    <dgm:pt modelId="{CE88F78A-4C5A-45AF-A614-9077E7F25748}" type="parTrans" cxnId="{E00088EA-B540-422F-AAAF-0EC9C13A5D54}">
+      <dgm:prSet/>
+      <dgm:spPr/>
+      <dgm:t>
+        <a:bodyPr/>
+        <a:lstStyle/>
+        <a:p>
+          <a:endParaRPr lang="de-DE"/>
+        </a:p>
+      </dgm:t>
+    </dgm:pt>
+    <dgm:pt modelId="{A180E3A2-B08D-400D-B26E-8F0B23A66501}" type="sibTrans" cxnId="{E00088EA-B540-422F-AAAF-0EC9C13A5D54}">
+      <dgm:prSet/>
+      <dgm:spPr/>
+      <dgm:t>
+        <a:bodyPr/>
+        <a:lstStyle/>
+        <a:p>
+          <a:endParaRPr lang="de-DE"/>
+        </a:p>
+      </dgm:t>
+    </dgm:pt>
+    <dgm:pt modelId="{E3DD3842-5898-4430-90C6-2EAAF8FDF0F2}">
+      <dgm:prSet phldrT="[Text]" phldr="1"/>
+      <dgm:spPr/>
+      <dgm:t>
+        <a:bodyPr/>
+        <a:lstStyle/>
+        <a:p>
+          <a:endParaRPr lang="de-DE" dirty="0"/>
+        </a:p>
+      </dgm:t>
+    </dgm:pt>
+    <dgm:pt modelId="{CE5F795E-A4BF-40ED-834C-B5FE44000218}" type="parTrans" cxnId="{188C6580-C83A-438D-B599-58FD3600C188}">
+      <dgm:prSet/>
+      <dgm:spPr/>
+      <dgm:t>
+        <a:bodyPr/>
+        <a:lstStyle/>
+        <a:p>
+          <a:endParaRPr lang="de-DE"/>
+        </a:p>
+      </dgm:t>
+    </dgm:pt>
+    <dgm:pt modelId="{928A8B03-B059-4FD9-991C-07EC3CD6B3A6}" type="sibTrans" cxnId="{188C6580-C83A-438D-B599-58FD3600C188}">
+      <dgm:prSet/>
+      <dgm:spPr/>
+      <dgm:t>
+        <a:bodyPr/>
+        <a:lstStyle/>
+        <a:p>
+          <a:endParaRPr lang="de-DE"/>
+        </a:p>
+      </dgm:t>
+    </dgm:pt>
+    <dgm:pt modelId="{F6ED4268-44B7-447D-AD2F-902F379EB026}">
+      <dgm:prSet phldrT="[Text]" phldr="1"/>
+      <dgm:spPr/>
+      <dgm:t>
+        <a:bodyPr/>
+        <a:lstStyle/>
+        <a:p>
+          <a:endParaRPr lang="de-DE" dirty="0"/>
+        </a:p>
+      </dgm:t>
+    </dgm:pt>
+    <dgm:pt modelId="{AA61FE2B-ECF6-42DB-8BB6-AD474551BDF5}" type="parTrans" cxnId="{F7C81EE8-16CA-4B8F-A7B7-D17E9F0ABB04}">
+      <dgm:prSet/>
+      <dgm:spPr/>
+      <dgm:t>
+        <a:bodyPr/>
+        <a:lstStyle/>
+        <a:p>
+          <a:endParaRPr lang="de-DE"/>
+        </a:p>
+      </dgm:t>
+    </dgm:pt>
+    <dgm:pt modelId="{459468EB-5612-42D4-8F4D-2ECBC0DDB791}" type="sibTrans" cxnId="{F7C81EE8-16CA-4B8F-A7B7-D17E9F0ABB04}">
+      <dgm:prSet/>
+      <dgm:spPr/>
+      <dgm:t>
+        <a:bodyPr/>
+        <a:lstStyle/>
+        <a:p>
+          <a:endParaRPr lang="de-DE"/>
+        </a:p>
+      </dgm:t>
+    </dgm:pt>
+    <dgm:pt modelId="{B30200FC-D314-4ABF-8D1B-496517741FCE}">
+      <dgm:prSet phldrT="[Text]" phldr="1"/>
+      <dgm:spPr/>
+      <dgm:t>
+        <a:bodyPr/>
+        <a:lstStyle/>
+        <a:p>
+          <a:endParaRPr lang="de-DE" dirty="0"/>
+        </a:p>
+      </dgm:t>
+    </dgm:pt>
+    <dgm:pt modelId="{30C4C8EF-8CB1-4CBD-A6FD-7F64C5B778F1}" type="parTrans" cxnId="{1397A041-5B82-4A80-84D3-9D4A255C4E34}">
+      <dgm:prSet/>
+      <dgm:spPr/>
+      <dgm:t>
+        <a:bodyPr/>
+        <a:lstStyle/>
+        <a:p>
+          <a:endParaRPr lang="de-DE"/>
+        </a:p>
+      </dgm:t>
+    </dgm:pt>
+    <dgm:pt modelId="{0CC5B9AE-ABA2-4317-916E-D63DF4257D10}" type="sibTrans" cxnId="{1397A041-5B82-4A80-84D3-9D4A255C4E34}">
+      <dgm:prSet/>
+      <dgm:spPr/>
+      <dgm:t>
+        <a:bodyPr/>
+        <a:lstStyle/>
+        <a:p>
+          <a:endParaRPr lang="de-DE"/>
+        </a:p>
+      </dgm:t>
+    </dgm:pt>
+    <dgm:pt modelId="{1DED3CDE-E4F1-45C0-8126-F7E4D4CC93C2}">
+      <dgm:prSet phldrT="[Text]" phldr="1"/>
+      <dgm:spPr/>
+      <dgm:t>
+        <a:bodyPr/>
+        <a:lstStyle/>
+        <a:p>
+          <a:endParaRPr lang="de-DE"/>
+        </a:p>
+      </dgm:t>
+    </dgm:pt>
+    <dgm:pt modelId="{7B4A85C9-209A-441C-AD87-3712ADB53662}" type="parTrans" cxnId="{C36389FC-0D8E-4635-929E-9CAF62633FD3}">
+      <dgm:prSet/>
+      <dgm:spPr/>
+      <dgm:t>
+        <a:bodyPr/>
+        <a:lstStyle/>
+        <a:p>
+          <a:endParaRPr lang="de-DE"/>
+        </a:p>
+      </dgm:t>
+    </dgm:pt>
+    <dgm:pt modelId="{3B65C6BD-8FF6-424E-9671-D0D0225968CE}" type="sibTrans" cxnId="{C36389FC-0D8E-4635-929E-9CAF62633FD3}">
+      <dgm:prSet/>
+      <dgm:spPr/>
+      <dgm:t>
+        <a:bodyPr/>
+        <a:lstStyle/>
+        <a:p>
+          <a:endParaRPr lang="de-DE"/>
+        </a:p>
+      </dgm:t>
+    </dgm:pt>
+    <dgm:pt modelId="{AC326F27-28D5-4BE9-8F7E-7AB73F253AF1}">
+      <dgm:prSet phldrT="[Text]" phldr="1"/>
+      <dgm:spPr/>
+      <dgm:t>
+        <a:bodyPr/>
+        <a:lstStyle/>
+        <a:p>
+          <a:endParaRPr lang="de-DE" dirty="0"/>
+        </a:p>
+      </dgm:t>
+    </dgm:pt>
+    <dgm:pt modelId="{BB1E15C0-5D42-45E1-8AC1-49E751A358AC}" type="parTrans" cxnId="{CBAB8AA6-2E71-4CAF-9694-DF4AC56853B4}">
+      <dgm:prSet/>
+      <dgm:spPr/>
+      <dgm:t>
+        <a:bodyPr/>
+        <a:lstStyle/>
+        <a:p>
+          <a:endParaRPr lang="de-DE"/>
+        </a:p>
+      </dgm:t>
+    </dgm:pt>
+    <dgm:pt modelId="{655DEEE5-7277-4747-9D75-02251975C76B}" type="sibTrans" cxnId="{CBAB8AA6-2E71-4CAF-9694-DF4AC56853B4}">
+      <dgm:prSet/>
+      <dgm:spPr/>
+      <dgm:t>
+        <a:bodyPr/>
+        <a:lstStyle/>
+        <a:p>
+          <a:endParaRPr lang="de-DE"/>
+        </a:p>
+      </dgm:t>
+    </dgm:pt>
+    <dgm:pt modelId="{15999ACC-40CC-4BFA-AFB8-FE493993021A}" type="pres">
+      <dgm:prSet presAssocID="{330AC143-3FAE-42A7-8A43-838B5D1C142A}" presName="hierChild1" presStyleCnt="0">
+        <dgm:presLayoutVars>
+          <dgm:chPref val="1"/>
+          <dgm:dir/>
+          <dgm:animOne val="branch"/>
+          <dgm:animLvl val="lvl"/>
+          <dgm:resizeHandles/>
+        </dgm:presLayoutVars>
+      </dgm:prSet>
+      <dgm:spPr/>
+    </dgm:pt>
+    <dgm:pt modelId="{176EAEBA-3A1D-4160-96CF-76E359A7B0DB}" type="pres">
+      <dgm:prSet presAssocID="{76AB9A49-87DC-412B-9123-42D81E6D29F0}" presName="hierRoot1" presStyleCnt="0"/>
+      <dgm:spPr/>
+    </dgm:pt>
+    <dgm:pt modelId="{811AF094-CFA0-44E3-BB0A-17D81F7E45C2}" type="pres">
+      <dgm:prSet presAssocID="{76AB9A49-87DC-412B-9123-42D81E6D29F0}" presName="composite" presStyleCnt="0"/>
+      <dgm:spPr/>
+    </dgm:pt>
+    <dgm:pt modelId="{83A2717C-D252-4267-A0DB-A894CFEF4DAB}" type="pres">
+      <dgm:prSet presAssocID="{76AB9A49-87DC-412B-9123-42D81E6D29F0}" presName="image" presStyleLbl="node0" presStyleIdx="0" presStyleCnt="1"/>
+      <dgm:spPr/>
+    </dgm:pt>
+    <dgm:pt modelId="{CE6FA413-52B1-46F3-8761-4A0FF73E6303}" type="pres">
+      <dgm:prSet presAssocID="{76AB9A49-87DC-412B-9123-42D81E6D29F0}" presName="text" presStyleLbl="revTx" presStyleIdx="0" presStyleCnt="7">
+        <dgm:presLayoutVars>
+          <dgm:chPref val="3"/>
+        </dgm:presLayoutVars>
+      </dgm:prSet>
+      <dgm:spPr/>
+    </dgm:pt>
+    <dgm:pt modelId="{A77A06DD-AF84-4296-8350-8F099482E008}" type="pres">
+      <dgm:prSet presAssocID="{76AB9A49-87DC-412B-9123-42D81E6D29F0}" presName="hierChild2" presStyleCnt="0"/>
+      <dgm:spPr/>
+    </dgm:pt>
+    <dgm:pt modelId="{30E16A0B-8316-4656-B4BB-634D4D5D94FF}" type="pres">
+      <dgm:prSet presAssocID="{CE88F78A-4C5A-45AF-A614-9077E7F25748}" presName="Name10" presStyleLbl="parChTrans1D2" presStyleIdx="0" presStyleCnt="3"/>
+      <dgm:spPr/>
+    </dgm:pt>
+    <dgm:pt modelId="{ED706E07-EBED-4DB9-A83F-98B54A07D5C4}" type="pres">
+      <dgm:prSet presAssocID="{B311C754-C9C3-4566-B203-1AFD23149080}" presName="hierRoot2" presStyleCnt="0"/>
+      <dgm:spPr/>
+    </dgm:pt>
+    <dgm:pt modelId="{C630D5F9-A1B5-46C8-B176-260C54919EFD}" type="pres">
+      <dgm:prSet presAssocID="{B311C754-C9C3-4566-B203-1AFD23149080}" presName="composite2" presStyleCnt="0"/>
+      <dgm:spPr/>
+    </dgm:pt>
+    <dgm:pt modelId="{925CA995-9BCD-46C1-AD8D-5BEBCAB9B21E}" type="pres">
+      <dgm:prSet presAssocID="{B311C754-C9C3-4566-B203-1AFD23149080}" presName="image2" presStyleLbl="node2" presStyleIdx="0" presStyleCnt="3"/>
+      <dgm:spPr/>
+    </dgm:pt>
+    <dgm:pt modelId="{E06DBF84-829E-4390-AB0A-EB23117B6467}" type="pres">
+      <dgm:prSet presAssocID="{B311C754-C9C3-4566-B203-1AFD23149080}" presName="text2" presStyleLbl="revTx" presStyleIdx="1" presStyleCnt="7">
+        <dgm:presLayoutVars>
+          <dgm:chPref val="3"/>
+        </dgm:presLayoutVars>
+      </dgm:prSet>
+      <dgm:spPr/>
+    </dgm:pt>
+    <dgm:pt modelId="{9ABA9C10-738A-430B-A670-E6099B4852B0}" type="pres">
+      <dgm:prSet presAssocID="{B311C754-C9C3-4566-B203-1AFD23149080}" presName="hierChild3" presStyleCnt="0"/>
+      <dgm:spPr/>
+    </dgm:pt>
+    <dgm:pt modelId="{86978F54-E1C0-40A9-9118-497761626CBB}" type="pres">
+      <dgm:prSet presAssocID="{CE5F795E-A4BF-40ED-834C-B5FE44000218}" presName="Name17" presStyleLbl="parChTrans1D3" presStyleIdx="0" presStyleCnt="3"/>
+      <dgm:spPr/>
+    </dgm:pt>
+    <dgm:pt modelId="{F7DF69E6-1B8F-45CB-9FE6-EC3FB4AC0591}" type="pres">
+      <dgm:prSet presAssocID="{E3DD3842-5898-4430-90C6-2EAAF8FDF0F2}" presName="hierRoot3" presStyleCnt="0"/>
+      <dgm:spPr/>
+    </dgm:pt>
+    <dgm:pt modelId="{BDE2B858-2052-446D-A730-6850657777F0}" type="pres">
+      <dgm:prSet presAssocID="{E3DD3842-5898-4430-90C6-2EAAF8FDF0F2}" presName="composite3" presStyleCnt="0"/>
+      <dgm:spPr/>
+    </dgm:pt>
+    <dgm:pt modelId="{92EF1F83-3EBA-4FB1-A0AC-0C09BF68D62D}" type="pres">
+      <dgm:prSet presAssocID="{E3DD3842-5898-4430-90C6-2EAAF8FDF0F2}" presName="image3" presStyleLbl="node3" presStyleIdx="0" presStyleCnt="3"/>
+      <dgm:spPr/>
+    </dgm:pt>
+    <dgm:pt modelId="{F89BA68B-406E-4223-9ABC-D740064F78AE}" type="pres">
+      <dgm:prSet presAssocID="{E3DD3842-5898-4430-90C6-2EAAF8FDF0F2}" presName="text3" presStyleLbl="revTx" presStyleIdx="2" presStyleCnt="7">
+        <dgm:presLayoutVars>
+          <dgm:chPref val="3"/>
+        </dgm:presLayoutVars>
+      </dgm:prSet>
+      <dgm:spPr/>
+    </dgm:pt>
+    <dgm:pt modelId="{1E1B5D7E-6A46-47F6-B77D-435DF300CA0C}" type="pres">
+      <dgm:prSet presAssocID="{E3DD3842-5898-4430-90C6-2EAAF8FDF0F2}" presName="hierChild4" presStyleCnt="0"/>
+      <dgm:spPr/>
+    </dgm:pt>
+    <dgm:pt modelId="{530B3FF5-B0B6-4922-8688-A73BF689380E}" type="pres">
+      <dgm:prSet presAssocID="{AA61FE2B-ECF6-42DB-8BB6-AD474551BDF5}" presName="Name17" presStyleLbl="parChTrans1D3" presStyleIdx="1" presStyleCnt="3"/>
+      <dgm:spPr/>
+    </dgm:pt>
+    <dgm:pt modelId="{BED683A4-3FFA-4D79-8790-2DD0595A8ED8}" type="pres">
+      <dgm:prSet presAssocID="{F6ED4268-44B7-447D-AD2F-902F379EB026}" presName="hierRoot3" presStyleCnt="0"/>
+      <dgm:spPr/>
+    </dgm:pt>
+    <dgm:pt modelId="{DE9642E7-0369-4B19-B5EF-E1799BC0A0B9}" type="pres">
+      <dgm:prSet presAssocID="{F6ED4268-44B7-447D-AD2F-902F379EB026}" presName="composite3" presStyleCnt="0"/>
+      <dgm:spPr/>
+    </dgm:pt>
+    <dgm:pt modelId="{93677298-4FDF-493B-8C01-7FF9268F7B8D}" type="pres">
+      <dgm:prSet presAssocID="{F6ED4268-44B7-447D-AD2F-902F379EB026}" presName="image3" presStyleLbl="node3" presStyleIdx="1" presStyleCnt="3"/>
+      <dgm:spPr/>
+    </dgm:pt>
+    <dgm:pt modelId="{D17CB085-B2E8-441E-A3D9-D05FF08BA0A4}" type="pres">
+      <dgm:prSet presAssocID="{F6ED4268-44B7-447D-AD2F-902F379EB026}" presName="text3" presStyleLbl="revTx" presStyleIdx="3" presStyleCnt="7">
+        <dgm:presLayoutVars>
+          <dgm:chPref val="3"/>
+        </dgm:presLayoutVars>
+      </dgm:prSet>
+      <dgm:spPr/>
+    </dgm:pt>
+    <dgm:pt modelId="{574997A4-3FBC-4D12-BA91-0CCA3649FE12}" type="pres">
+      <dgm:prSet presAssocID="{F6ED4268-44B7-447D-AD2F-902F379EB026}" presName="hierChild4" presStyleCnt="0"/>
+      <dgm:spPr/>
+    </dgm:pt>
+    <dgm:pt modelId="{C227DF42-02D8-4CF1-B61B-859D18DB8B75}" type="pres">
+      <dgm:prSet presAssocID="{30C4C8EF-8CB1-4CBD-A6FD-7F64C5B778F1}" presName="Name10" presStyleLbl="parChTrans1D2" presStyleIdx="1" presStyleCnt="3"/>
+      <dgm:spPr/>
+    </dgm:pt>
+    <dgm:pt modelId="{BEE8AB27-68AB-46DF-867A-0ED7C29B33BE}" type="pres">
+      <dgm:prSet presAssocID="{B30200FC-D314-4ABF-8D1B-496517741FCE}" presName="hierRoot2" presStyleCnt="0"/>
+      <dgm:spPr/>
+    </dgm:pt>
+    <dgm:pt modelId="{CF57AB55-FB3E-455B-B471-660ED5C8EAA2}" type="pres">
+      <dgm:prSet presAssocID="{B30200FC-D314-4ABF-8D1B-496517741FCE}" presName="composite2" presStyleCnt="0"/>
+      <dgm:spPr/>
+    </dgm:pt>
+    <dgm:pt modelId="{CEE9862A-DDA3-4D32-A203-D775A6EA72E9}" type="pres">
+      <dgm:prSet presAssocID="{B30200FC-D314-4ABF-8D1B-496517741FCE}" presName="image2" presStyleLbl="node2" presStyleIdx="1" presStyleCnt="3"/>
+      <dgm:spPr/>
+    </dgm:pt>
+    <dgm:pt modelId="{1E6A0517-084E-43BC-A591-4124AE3EAA23}" type="pres">
+      <dgm:prSet presAssocID="{B30200FC-D314-4ABF-8D1B-496517741FCE}" presName="text2" presStyleLbl="revTx" presStyleIdx="4" presStyleCnt="7">
+        <dgm:presLayoutVars>
+          <dgm:chPref val="3"/>
+        </dgm:presLayoutVars>
+      </dgm:prSet>
+      <dgm:spPr/>
+    </dgm:pt>
+    <dgm:pt modelId="{D05891EB-7758-494B-BEB9-7503D8030F7A}" type="pres">
+      <dgm:prSet presAssocID="{B30200FC-D314-4ABF-8D1B-496517741FCE}" presName="hierChild3" presStyleCnt="0"/>
+      <dgm:spPr/>
+    </dgm:pt>
+    <dgm:pt modelId="{B58275B4-66BC-483F-A393-A56DF2D0D8DB}" type="pres">
+      <dgm:prSet presAssocID="{7B4A85C9-209A-441C-AD87-3712ADB53662}" presName="Name17" presStyleLbl="parChTrans1D3" presStyleIdx="2" presStyleCnt="3"/>
+      <dgm:spPr/>
+    </dgm:pt>
+    <dgm:pt modelId="{D5EF524E-AB85-4A13-A2DA-C8C8D7BB901A}" type="pres">
+      <dgm:prSet presAssocID="{1DED3CDE-E4F1-45C0-8126-F7E4D4CC93C2}" presName="hierRoot3" presStyleCnt="0"/>
+      <dgm:spPr/>
+    </dgm:pt>
+    <dgm:pt modelId="{4FA60DB1-BA2D-432D-AB9A-0286DDD7B8C2}" type="pres">
+      <dgm:prSet presAssocID="{1DED3CDE-E4F1-45C0-8126-F7E4D4CC93C2}" presName="composite3" presStyleCnt="0"/>
+      <dgm:spPr/>
+    </dgm:pt>
+    <dgm:pt modelId="{6B417D99-C9ED-494E-A581-E43D66212932}" type="pres">
+      <dgm:prSet presAssocID="{1DED3CDE-E4F1-45C0-8126-F7E4D4CC93C2}" presName="image3" presStyleLbl="node3" presStyleIdx="2" presStyleCnt="3"/>
+      <dgm:spPr/>
+    </dgm:pt>
+    <dgm:pt modelId="{CD6B226A-0248-485D-8125-F918BB38905A}" type="pres">
+      <dgm:prSet presAssocID="{1DED3CDE-E4F1-45C0-8126-F7E4D4CC93C2}" presName="text3" presStyleLbl="revTx" presStyleIdx="5" presStyleCnt="7">
+        <dgm:presLayoutVars>
+          <dgm:chPref val="3"/>
+        </dgm:presLayoutVars>
+      </dgm:prSet>
+      <dgm:spPr/>
+    </dgm:pt>
+    <dgm:pt modelId="{31C09585-D3B9-4B7F-B2FF-64EADBC794FE}" type="pres">
+      <dgm:prSet presAssocID="{1DED3CDE-E4F1-45C0-8126-F7E4D4CC93C2}" presName="hierChild4" presStyleCnt="0"/>
+      <dgm:spPr/>
+    </dgm:pt>
+    <dgm:pt modelId="{B2ECCA94-7FB6-45DB-8041-CE5131E89172}" type="pres">
+      <dgm:prSet presAssocID="{BB1E15C0-5D42-45E1-8AC1-49E751A358AC}" presName="Name10" presStyleLbl="parChTrans1D2" presStyleIdx="2" presStyleCnt="3"/>
+      <dgm:spPr/>
+    </dgm:pt>
+    <dgm:pt modelId="{B2F643F3-36CE-423C-91AB-5981712BEEF6}" type="pres">
+      <dgm:prSet presAssocID="{AC326F27-28D5-4BE9-8F7E-7AB73F253AF1}" presName="hierRoot2" presStyleCnt="0"/>
+      <dgm:spPr/>
+    </dgm:pt>
+    <dgm:pt modelId="{93DDCD95-D7F3-48CD-BC77-84C84FFC2065}" type="pres">
+      <dgm:prSet presAssocID="{AC326F27-28D5-4BE9-8F7E-7AB73F253AF1}" presName="composite2" presStyleCnt="0"/>
+      <dgm:spPr/>
+    </dgm:pt>
+    <dgm:pt modelId="{BAC4D492-FBA2-4548-87D8-0EC3A5776FFF}" type="pres">
+      <dgm:prSet presAssocID="{AC326F27-28D5-4BE9-8F7E-7AB73F253AF1}" presName="image2" presStyleLbl="node2" presStyleIdx="2" presStyleCnt="3"/>
+      <dgm:spPr/>
+    </dgm:pt>
+    <dgm:pt modelId="{D8A0F21A-ABAE-4786-B765-764A73DC7DA1}" type="pres">
+      <dgm:prSet presAssocID="{AC326F27-28D5-4BE9-8F7E-7AB73F253AF1}" presName="text2" presStyleLbl="revTx" presStyleIdx="6" presStyleCnt="7">
+        <dgm:presLayoutVars>
+          <dgm:chPref val="3"/>
+        </dgm:presLayoutVars>
+      </dgm:prSet>
+      <dgm:spPr/>
+    </dgm:pt>
+    <dgm:pt modelId="{D387F8DE-88E4-4813-86C8-79DC90299840}" type="pres">
+      <dgm:prSet presAssocID="{AC326F27-28D5-4BE9-8F7E-7AB73F253AF1}" presName="hierChild3" presStyleCnt="0"/>
+      <dgm:spPr/>
+    </dgm:pt>
+  </dgm:ptLst>
+  <dgm:cxnLst>
+    <dgm:cxn modelId="{C1556729-6B0D-44CC-8F52-03E0D11CA51F}" type="presOf" srcId="{F6ED4268-44B7-447D-AD2F-902F379EB026}" destId="{D17CB085-B2E8-441E-A3D9-D05FF08BA0A4}" srcOrd="0" destOrd="0" presId="urn:microsoft.com/office/officeart/2009/layout/CirclePictureHierarchy"/>
+    <dgm:cxn modelId="{05806241-2F69-4B1C-AA43-110269FA21A1}" type="presOf" srcId="{CE5F795E-A4BF-40ED-834C-B5FE44000218}" destId="{86978F54-E1C0-40A9-9118-497761626CBB}" srcOrd="0" destOrd="0" presId="urn:microsoft.com/office/officeart/2009/layout/CirclePictureHierarchy"/>
+    <dgm:cxn modelId="{1397A041-5B82-4A80-84D3-9D4A255C4E34}" srcId="{76AB9A49-87DC-412B-9123-42D81E6D29F0}" destId="{B30200FC-D314-4ABF-8D1B-496517741FCE}" srcOrd="1" destOrd="0" parTransId="{30C4C8EF-8CB1-4CBD-A6FD-7F64C5B778F1}" sibTransId="{0CC5B9AE-ABA2-4317-916E-D63DF4257D10}"/>
+    <dgm:cxn modelId="{188C6580-C83A-438D-B599-58FD3600C188}" srcId="{B311C754-C9C3-4566-B203-1AFD23149080}" destId="{E3DD3842-5898-4430-90C6-2EAAF8FDF0F2}" srcOrd="0" destOrd="0" parTransId="{CE5F795E-A4BF-40ED-834C-B5FE44000218}" sibTransId="{928A8B03-B059-4FD9-991C-07EC3CD6B3A6}"/>
+    <dgm:cxn modelId="{3BF87B90-BF3F-446A-9ABC-DDA900A732A6}" srcId="{330AC143-3FAE-42A7-8A43-838B5D1C142A}" destId="{76AB9A49-87DC-412B-9123-42D81E6D29F0}" srcOrd="0" destOrd="0" parTransId="{CF8DC1B5-4A45-4B10-AB32-1AFE84F07118}" sibTransId="{19226124-F78E-4382-B27F-D0063E73AFE7}"/>
+    <dgm:cxn modelId="{E39F9293-0571-42B9-ABC1-1D7EEFB5DA1E}" type="presOf" srcId="{76AB9A49-87DC-412B-9123-42D81E6D29F0}" destId="{CE6FA413-52B1-46F3-8761-4A0FF73E6303}" srcOrd="0" destOrd="0" presId="urn:microsoft.com/office/officeart/2009/layout/CirclePictureHierarchy"/>
+    <dgm:cxn modelId="{A3D47799-9035-48DD-BF71-7649C59902EF}" type="presOf" srcId="{BB1E15C0-5D42-45E1-8AC1-49E751A358AC}" destId="{B2ECCA94-7FB6-45DB-8041-CE5131E89172}" srcOrd="0" destOrd="0" presId="urn:microsoft.com/office/officeart/2009/layout/CirclePictureHierarchy"/>
+    <dgm:cxn modelId="{CBAB8AA6-2E71-4CAF-9694-DF4AC56853B4}" srcId="{76AB9A49-87DC-412B-9123-42D81E6D29F0}" destId="{AC326F27-28D5-4BE9-8F7E-7AB73F253AF1}" srcOrd="2" destOrd="0" parTransId="{BB1E15C0-5D42-45E1-8AC1-49E751A358AC}" sibTransId="{655DEEE5-7277-4747-9D75-02251975C76B}"/>
+    <dgm:cxn modelId="{7B0EA3CD-A77E-44A0-9763-82BC95A38EC2}" type="presOf" srcId="{330AC143-3FAE-42A7-8A43-838B5D1C142A}" destId="{15999ACC-40CC-4BFA-AFB8-FE493993021A}" srcOrd="0" destOrd="0" presId="urn:microsoft.com/office/officeart/2009/layout/CirclePictureHierarchy"/>
+    <dgm:cxn modelId="{15290FCE-23CC-4CE1-8FD0-83DF12C0C928}" type="presOf" srcId="{AA61FE2B-ECF6-42DB-8BB6-AD474551BDF5}" destId="{530B3FF5-B0B6-4922-8688-A73BF689380E}" srcOrd="0" destOrd="0" presId="urn:microsoft.com/office/officeart/2009/layout/CirclePictureHierarchy"/>
+    <dgm:cxn modelId="{4571AAD3-D406-4824-9899-689E8AE93DF6}" type="presOf" srcId="{E3DD3842-5898-4430-90C6-2EAAF8FDF0F2}" destId="{F89BA68B-406E-4223-9ABC-D740064F78AE}" srcOrd="0" destOrd="0" presId="urn:microsoft.com/office/officeart/2009/layout/CirclePictureHierarchy"/>
+    <dgm:cxn modelId="{730020DB-DB4F-404E-89EF-29AE110B1F5C}" type="presOf" srcId="{1DED3CDE-E4F1-45C0-8126-F7E4D4CC93C2}" destId="{CD6B226A-0248-485D-8125-F918BB38905A}" srcOrd="0" destOrd="0" presId="urn:microsoft.com/office/officeart/2009/layout/CirclePictureHierarchy"/>
+    <dgm:cxn modelId="{8C5CC7DF-FED4-4F85-A398-7A2BC745B85E}" type="presOf" srcId="{AC326F27-28D5-4BE9-8F7E-7AB73F253AF1}" destId="{D8A0F21A-ABAE-4786-B765-764A73DC7DA1}" srcOrd="0" destOrd="0" presId="urn:microsoft.com/office/officeart/2009/layout/CirclePictureHierarchy"/>
+    <dgm:cxn modelId="{F7C81EE8-16CA-4B8F-A7B7-D17E9F0ABB04}" srcId="{B311C754-C9C3-4566-B203-1AFD23149080}" destId="{F6ED4268-44B7-447D-AD2F-902F379EB026}" srcOrd="1" destOrd="0" parTransId="{AA61FE2B-ECF6-42DB-8BB6-AD474551BDF5}" sibTransId="{459468EB-5612-42D4-8F4D-2ECBC0DDB791}"/>
+    <dgm:cxn modelId="{224CD5E9-6274-4779-B2D0-A425CEC758C0}" type="presOf" srcId="{B30200FC-D314-4ABF-8D1B-496517741FCE}" destId="{1E6A0517-084E-43BC-A591-4124AE3EAA23}" srcOrd="0" destOrd="0" presId="urn:microsoft.com/office/officeart/2009/layout/CirclePictureHierarchy"/>
+    <dgm:cxn modelId="{E00088EA-B540-422F-AAAF-0EC9C13A5D54}" srcId="{76AB9A49-87DC-412B-9123-42D81E6D29F0}" destId="{B311C754-C9C3-4566-B203-1AFD23149080}" srcOrd="0" destOrd="0" parTransId="{CE88F78A-4C5A-45AF-A614-9077E7F25748}" sibTransId="{A180E3A2-B08D-400D-B26E-8F0B23A66501}"/>
+    <dgm:cxn modelId="{19A6B4EF-AE18-437A-9518-9A39F00DAF48}" type="presOf" srcId="{7B4A85C9-209A-441C-AD87-3712ADB53662}" destId="{B58275B4-66BC-483F-A393-A56DF2D0D8DB}" srcOrd="0" destOrd="0" presId="urn:microsoft.com/office/officeart/2009/layout/CirclePictureHierarchy"/>
+    <dgm:cxn modelId="{837166F3-4808-4291-B407-8ACECC0980ED}" type="presOf" srcId="{B311C754-C9C3-4566-B203-1AFD23149080}" destId="{E06DBF84-829E-4390-AB0A-EB23117B6467}" srcOrd="0" destOrd="0" presId="urn:microsoft.com/office/officeart/2009/layout/CirclePictureHierarchy"/>
+    <dgm:cxn modelId="{790346F6-A2EC-4744-BD72-C18D7E8F2D33}" type="presOf" srcId="{30C4C8EF-8CB1-4CBD-A6FD-7F64C5B778F1}" destId="{C227DF42-02D8-4CF1-B61B-859D18DB8B75}" srcOrd="0" destOrd="0" presId="urn:microsoft.com/office/officeart/2009/layout/CirclePictureHierarchy"/>
+    <dgm:cxn modelId="{BE4E77F7-76B0-4C53-B17A-6C9A256F88EB}" type="presOf" srcId="{CE88F78A-4C5A-45AF-A614-9077E7F25748}" destId="{30E16A0B-8316-4656-B4BB-634D4D5D94FF}" srcOrd="0" destOrd="0" presId="urn:microsoft.com/office/officeart/2009/layout/CirclePictureHierarchy"/>
+    <dgm:cxn modelId="{C36389FC-0D8E-4635-929E-9CAF62633FD3}" srcId="{B30200FC-D314-4ABF-8D1B-496517741FCE}" destId="{1DED3CDE-E4F1-45C0-8126-F7E4D4CC93C2}" srcOrd="0" destOrd="0" parTransId="{7B4A85C9-209A-441C-AD87-3712ADB53662}" sibTransId="{3B65C6BD-8FF6-424E-9671-D0D0225968CE}"/>
+    <dgm:cxn modelId="{6A7D66B8-CA6A-40C2-BF07-A984A626B58D}" type="presParOf" srcId="{15999ACC-40CC-4BFA-AFB8-FE493993021A}" destId="{176EAEBA-3A1D-4160-96CF-76E359A7B0DB}" srcOrd="0" destOrd="0" presId="urn:microsoft.com/office/officeart/2009/layout/CirclePictureHierarchy"/>
+    <dgm:cxn modelId="{450FB6EB-74EC-4AAF-B788-A6FC464A59E3}" type="presParOf" srcId="{176EAEBA-3A1D-4160-96CF-76E359A7B0DB}" destId="{811AF094-CFA0-44E3-BB0A-17D81F7E45C2}" srcOrd="0" destOrd="0" presId="urn:microsoft.com/office/officeart/2009/layout/CirclePictureHierarchy"/>
+    <dgm:cxn modelId="{28547CF0-849C-4A6F-B45C-816356FC7B27}" type="presParOf" srcId="{811AF094-CFA0-44E3-BB0A-17D81F7E45C2}" destId="{83A2717C-D252-4267-A0DB-A894CFEF4DAB}" srcOrd="0" destOrd="0" presId="urn:microsoft.com/office/officeart/2009/layout/CirclePictureHierarchy"/>
+    <dgm:cxn modelId="{270DCDA0-6926-44DB-AFA7-5E37CC808BE9}" type="presParOf" srcId="{811AF094-CFA0-44E3-BB0A-17D81F7E45C2}" destId="{CE6FA413-52B1-46F3-8761-4A0FF73E6303}" srcOrd="1" destOrd="0" presId="urn:microsoft.com/office/officeart/2009/layout/CirclePictureHierarchy"/>
+    <dgm:cxn modelId="{7687A8F3-03D3-4E52-8310-2996715DD69E}" type="presParOf" srcId="{176EAEBA-3A1D-4160-96CF-76E359A7B0DB}" destId="{A77A06DD-AF84-4296-8350-8F099482E008}" srcOrd="1" destOrd="0" presId="urn:microsoft.com/office/officeart/2009/layout/CirclePictureHierarchy"/>
+    <dgm:cxn modelId="{3D2318A7-42FF-4B08-AB98-7CB29E90DA03}" type="presParOf" srcId="{A77A06DD-AF84-4296-8350-8F099482E008}" destId="{30E16A0B-8316-4656-B4BB-634D4D5D94FF}" srcOrd="0" destOrd="0" presId="urn:microsoft.com/office/officeart/2009/layout/CirclePictureHierarchy"/>
+    <dgm:cxn modelId="{DAFA6FDA-BC34-4D5D-B157-7E1548BA2801}" type="presParOf" srcId="{A77A06DD-AF84-4296-8350-8F099482E008}" destId="{ED706E07-EBED-4DB9-A83F-98B54A07D5C4}" srcOrd="1" destOrd="0" presId="urn:microsoft.com/office/officeart/2009/layout/CirclePictureHierarchy"/>
+    <dgm:cxn modelId="{4588E4B1-0012-48A8-8FD2-A4E878CB6B05}" type="presParOf" srcId="{ED706E07-EBED-4DB9-A83F-98B54A07D5C4}" destId="{C630D5F9-A1B5-46C8-B176-260C54919EFD}" srcOrd="0" destOrd="0" presId="urn:microsoft.com/office/officeart/2009/layout/CirclePictureHierarchy"/>
+    <dgm:cxn modelId="{C8C3A3D6-E36D-4A57-90F8-435D84DAF883}" type="presParOf" srcId="{C630D5F9-A1B5-46C8-B176-260C54919EFD}" destId="{925CA995-9BCD-46C1-AD8D-5BEBCAB9B21E}" srcOrd="0" destOrd="0" presId="urn:microsoft.com/office/officeart/2009/layout/CirclePictureHierarchy"/>
+    <dgm:cxn modelId="{10701D7C-0BDE-4E40-B021-F2AE8E56A9CC}" type="presParOf" srcId="{C630D5F9-A1B5-46C8-B176-260C54919EFD}" destId="{E06DBF84-829E-4390-AB0A-EB23117B6467}" srcOrd="1" destOrd="0" presId="urn:microsoft.com/office/officeart/2009/layout/CirclePictureHierarchy"/>
+    <dgm:cxn modelId="{20809C68-CD4C-4C4E-A230-6F0CAAF6E268}" type="presParOf" srcId="{ED706E07-EBED-4DB9-A83F-98B54A07D5C4}" destId="{9ABA9C10-738A-430B-A670-E6099B4852B0}" srcOrd="1" destOrd="0" presId="urn:microsoft.com/office/officeart/2009/layout/CirclePictureHierarchy"/>
+    <dgm:cxn modelId="{2718A47A-B5AD-4D48-9406-3C4C7E7EFD97}" type="presParOf" srcId="{9ABA9C10-738A-430B-A670-E6099B4852B0}" destId="{86978F54-E1C0-40A9-9118-497761626CBB}" srcOrd="0" destOrd="0" presId="urn:microsoft.com/office/officeart/2009/layout/CirclePictureHierarchy"/>
+    <dgm:cxn modelId="{86144F99-7062-4028-92C2-CAC85F4E23CC}" type="presParOf" srcId="{9ABA9C10-738A-430B-A670-E6099B4852B0}" destId="{F7DF69E6-1B8F-45CB-9FE6-EC3FB4AC0591}" srcOrd="1" destOrd="0" presId="urn:microsoft.com/office/officeart/2009/layout/CirclePictureHierarchy"/>
+    <dgm:cxn modelId="{E0769754-4B6B-4A91-B04C-2B1FE47F7CA9}" type="presParOf" srcId="{F7DF69E6-1B8F-45CB-9FE6-EC3FB4AC0591}" destId="{BDE2B858-2052-446D-A730-6850657777F0}" srcOrd="0" destOrd="0" presId="urn:microsoft.com/office/officeart/2009/layout/CirclePictureHierarchy"/>
+    <dgm:cxn modelId="{A582EC27-272A-4434-8B83-1F09676D71F5}" type="presParOf" srcId="{BDE2B858-2052-446D-A730-6850657777F0}" destId="{92EF1F83-3EBA-4FB1-A0AC-0C09BF68D62D}" srcOrd="0" destOrd="0" presId="urn:microsoft.com/office/officeart/2009/layout/CirclePictureHierarchy"/>
+    <dgm:cxn modelId="{CC3D81CF-31CC-4E55-9EAB-ED6D73CEA257}" type="presParOf" srcId="{BDE2B858-2052-446D-A730-6850657777F0}" destId="{F89BA68B-406E-4223-9ABC-D740064F78AE}" srcOrd="1" destOrd="0" presId="urn:microsoft.com/office/officeart/2009/layout/CirclePictureHierarchy"/>
+    <dgm:cxn modelId="{D5862FDD-9ED3-408A-8456-03CF44617981}" type="presParOf" srcId="{F7DF69E6-1B8F-45CB-9FE6-EC3FB4AC0591}" destId="{1E1B5D7E-6A46-47F6-B77D-435DF300CA0C}" srcOrd="1" destOrd="0" presId="urn:microsoft.com/office/officeart/2009/layout/CirclePictureHierarchy"/>
+    <dgm:cxn modelId="{6315D72C-B077-466D-A56E-25456201CD79}" type="presParOf" srcId="{9ABA9C10-738A-430B-A670-E6099B4852B0}" destId="{530B3FF5-B0B6-4922-8688-A73BF689380E}" srcOrd="2" destOrd="0" presId="urn:microsoft.com/office/officeart/2009/layout/CirclePictureHierarchy"/>
+    <dgm:cxn modelId="{97ADBA86-0706-4403-B091-7D824DAD4A4E}" type="presParOf" srcId="{9ABA9C10-738A-430B-A670-E6099B4852B0}" destId="{BED683A4-3FFA-4D79-8790-2DD0595A8ED8}" srcOrd="3" destOrd="0" presId="urn:microsoft.com/office/officeart/2009/layout/CirclePictureHierarchy"/>
+    <dgm:cxn modelId="{262A3E5F-22FB-4D68-BC68-E9C0604D658F}" type="presParOf" srcId="{BED683A4-3FFA-4D79-8790-2DD0595A8ED8}" destId="{DE9642E7-0369-4B19-B5EF-E1799BC0A0B9}" srcOrd="0" destOrd="0" presId="urn:microsoft.com/office/officeart/2009/layout/CirclePictureHierarchy"/>
+    <dgm:cxn modelId="{802C6E04-4B59-48B1-947C-DC22193DE56F}" type="presParOf" srcId="{DE9642E7-0369-4B19-B5EF-E1799BC0A0B9}" destId="{93677298-4FDF-493B-8C01-7FF9268F7B8D}" srcOrd="0" destOrd="0" presId="urn:microsoft.com/office/officeart/2009/layout/CirclePictureHierarchy"/>
+    <dgm:cxn modelId="{17E41C08-13EA-44AF-9E41-4608A2535FB8}" type="presParOf" srcId="{DE9642E7-0369-4B19-B5EF-E1799BC0A0B9}" destId="{D17CB085-B2E8-441E-A3D9-D05FF08BA0A4}" srcOrd="1" destOrd="0" presId="urn:microsoft.com/office/officeart/2009/layout/CirclePictureHierarchy"/>
+    <dgm:cxn modelId="{CB834E40-DBE1-4A86-AD0C-D00974C43234}" type="presParOf" srcId="{BED683A4-3FFA-4D79-8790-2DD0595A8ED8}" destId="{574997A4-3FBC-4D12-BA91-0CCA3649FE12}" srcOrd="1" destOrd="0" presId="urn:microsoft.com/office/officeart/2009/layout/CirclePictureHierarchy"/>
+    <dgm:cxn modelId="{2F5E7650-AC2D-4DF9-8F82-97A4118DD32D}" type="presParOf" srcId="{A77A06DD-AF84-4296-8350-8F099482E008}" destId="{C227DF42-02D8-4CF1-B61B-859D18DB8B75}" srcOrd="2" destOrd="0" presId="urn:microsoft.com/office/officeart/2009/layout/CirclePictureHierarchy"/>
+    <dgm:cxn modelId="{391A6919-59DD-4F7B-8A41-158EC1F11077}" type="presParOf" srcId="{A77A06DD-AF84-4296-8350-8F099482E008}" destId="{BEE8AB27-68AB-46DF-867A-0ED7C29B33BE}" srcOrd="3" destOrd="0" presId="urn:microsoft.com/office/officeart/2009/layout/CirclePictureHierarchy"/>
+    <dgm:cxn modelId="{E0AF5FD9-E6ED-49D8-A581-D7CF9BBFAEA8}" type="presParOf" srcId="{BEE8AB27-68AB-46DF-867A-0ED7C29B33BE}" destId="{CF57AB55-FB3E-455B-B471-660ED5C8EAA2}" srcOrd="0" destOrd="0" presId="urn:microsoft.com/office/officeart/2009/layout/CirclePictureHierarchy"/>
+    <dgm:cxn modelId="{46FD0378-C040-41E0-97BD-39BE1319FB5E}" type="presParOf" srcId="{CF57AB55-FB3E-455B-B471-660ED5C8EAA2}" destId="{CEE9862A-DDA3-4D32-A203-D775A6EA72E9}" srcOrd="0" destOrd="0" presId="urn:microsoft.com/office/officeart/2009/layout/CirclePictureHierarchy"/>
+    <dgm:cxn modelId="{10D660AE-1E89-4898-9488-9F2BC2AEA908}" type="presParOf" srcId="{CF57AB55-FB3E-455B-B471-660ED5C8EAA2}" destId="{1E6A0517-084E-43BC-A591-4124AE3EAA23}" srcOrd="1" destOrd="0" presId="urn:microsoft.com/office/officeart/2009/layout/CirclePictureHierarchy"/>
+    <dgm:cxn modelId="{F45272AE-D9FD-47EF-A7AC-B187F8D7C3ED}" type="presParOf" srcId="{BEE8AB27-68AB-46DF-867A-0ED7C29B33BE}" destId="{D05891EB-7758-494B-BEB9-7503D8030F7A}" srcOrd="1" destOrd="0" presId="urn:microsoft.com/office/officeart/2009/layout/CirclePictureHierarchy"/>
+    <dgm:cxn modelId="{F7295734-6EE7-47F8-9CA4-FC96C43DC930}" type="presParOf" srcId="{D05891EB-7758-494B-BEB9-7503D8030F7A}" destId="{B58275B4-66BC-483F-A393-A56DF2D0D8DB}" srcOrd="0" destOrd="0" presId="urn:microsoft.com/office/officeart/2009/layout/CirclePictureHierarchy"/>
+    <dgm:cxn modelId="{52ED8D19-3CF7-4056-9949-71EBC12179BA}" type="presParOf" srcId="{D05891EB-7758-494B-BEB9-7503D8030F7A}" destId="{D5EF524E-AB85-4A13-A2DA-C8C8D7BB901A}" srcOrd="1" destOrd="0" presId="urn:microsoft.com/office/officeart/2009/layout/CirclePictureHierarchy"/>
+    <dgm:cxn modelId="{D5C4DE20-0D58-41F0-95FB-EF3A904F219E}" type="presParOf" srcId="{D5EF524E-AB85-4A13-A2DA-C8C8D7BB901A}" destId="{4FA60DB1-BA2D-432D-AB9A-0286DDD7B8C2}" srcOrd="0" destOrd="0" presId="urn:microsoft.com/office/officeart/2009/layout/CirclePictureHierarchy"/>
+    <dgm:cxn modelId="{EB245FCE-FA43-4A5B-A215-875A3EC06374}" type="presParOf" srcId="{4FA60DB1-BA2D-432D-AB9A-0286DDD7B8C2}" destId="{6B417D99-C9ED-494E-A581-E43D66212932}" srcOrd="0" destOrd="0" presId="urn:microsoft.com/office/officeart/2009/layout/CirclePictureHierarchy"/>
+    <dgm:cxn modelId="{F94CB0BC-A518-4784-A361-4C7262F761AD}" type="presParOf" srcId="{4FA60DB1-BA2D-432D-AB9A-0286DDD7B8C2}" destId="{CD6B226A-0248-485D-8125-F918BB38905A}" srcOrd="1" destOrd="0" presId="urn:microsoft.com/office/officeart/2009/layout/CirclePictureHierarchy"/>
+    <dgm:cxn modelId="{E3725228-3EB9-45B7-B150-45894465499B}" type="presParOf" srcId="{D5EF524E-AB85-4A13-A2DA-C8C8D7BB901A}" destId="{31C09585-D3B9-4B7F-B2FF-64EADBC794FE}" srcOrd="1" destOrd="0" presId="urn:microsoft.com/office/officeart/2009/layout/CirclePictureHierarchy"/>
+    <dgm:cxn modelId="{41B7984C-9140-41A7-9AFF-DFDCB8F31C94}" type="presParOf" srcId="{A77A06DD-AF84-4296-8350-8F099482E008}" destId="{B2ECCA94-7FB6-45DB-8041-CE5131E89172}" srcOrd="4" destOrd="0" presId="urn:microsoft.com/office/officeart/2009/layout/CirclePictureHierarchy"/>
+    <dgm:cxn modelId="{321133F3-F14F-4062-B0D1-F79877D702F6}" type="presParOf" srcId="{A77A06DD-AF84-4296-8350-8F099482E008}" destId="{B2F643F3-36CE-423C-91AB-5981712BEEF6}" srcOrd="5" destOrd="0" presId="urn:microsoft.com/office/officeart/2009/layout/CirclePictureHierarchy"/>
+    <dgm:cxn modelId="{617FC696-FAA6-4C51-AAEB-EEC046AB7B28}" type="presParOf" srcId="{B2F643F3-36CE-423C-91AB-5981712BEEF6}" destId="{93DDCD95-D7F3-48CD-BC77-84C84FFC2065}" srcOrd="0" destOrd="0" presId="urn:microsoft.com/office/officeart/2009/layout/CirclePictureHierarchy"/>
+    <dgm:cxn modelId="{41E33880-A286-490B-A4BE-B91A2DCB3AE8}" type="presParOf" srcId="{93DDCD95-D7F3-48CD-BC77-84C84FFC2065}" destId="{BAC4D492-FBA2-4548-87D8-0EC3A5776FFF}" srcOrd="0" destOrd="0" presId="urn:microsoft.com/office/officeart/2009/layout/CirclePictureHierarchy"/>
+    <dgm:cxn modelId="{723D0B72-BCBE-4F97-94B7-636C5B920C4F}" type="presParOf" srcId="{93DDCD95-D7F3-48CD-BC77-84C84FFC2065}" destId="{D8A0F21A-ABAE-4786-B765-764A73DC7DA1}" srcOrd="1" destOrd="0" presId="urn:microsoft.com/office/officeart/2009/layout/CirclePictureHierarchy"/>
+    <dgm:cxn modelId="{6577E619-BFAC-47F0-9584-68D062595A5F}" type="presParOf" srcId="{B2F643F3-36CE-423C-91AB-5981712BEEF6}" destId="{D387F8DE-88E4-4813-86C8-79DC90299840}" srcOrd="1" destOrd="0" presId="urn:microsoft.com/office/officeart/2009/layout/CirclePictureHierarchy"/>
+  </dgm:cxnLst>
+  <dgm:bg/>
+  <dgm:whole/>
+  <dgm:extLst>
+    <a:ext uri="http://schemas.microsoft.com/office/drawing/2008/diagram">
+      <dsp:dataModelExt xmlns:dsp="http://schemas.microsoft.com/office/drawing/2008/diagram" relId="rId6" minVer="http://schemas.openxmlformats.org/drawingml/2006/diagram"/>
+    </a:ext>
+  </dgm:extLst>
+</dgm:dataModel>
+</file>
+
+<file path=ppt/diagrams/drawing1.xml><?xml version="1.0" encoding="utf-8"?>
+<dsp:drawing xmlns:dgm="http://schemas.openxmlformats.org/drawingml/2006/diagram" xmlns:dsp="http://schemas.microsoft.com/office/drawing/2008/diagram" xmlns:a="http://schemas.openxmlformats.org/drawingml/2006/main">
+  <dsp:spTree>
+    <dsp:nvGrpSpPr>
+      <dsp:cNvPr id="0" name=""/>
+      <dsp:cNvGrpSpPr/>
+    </dsp:nvGrpSpPr>
+    <dsp:grpSpPr/>
+    <dsp:sp modelId="{B2ECCA94-7FB6-45DB-8041-CE5131E89172}">
+      <dsp:nvSpPr>
+        <dsp:cNvPr id="0" name=""/>
+        <dsp:cNvSpPr/>
+      </dsp:nvSpPr>
+      <dsp:spPr>
+        <a:xfrm>
+          <a:off x="4016771" y="2094423"/>
+          <a:ext cx="2597546" cy="238029"/>
+        </a:xfrm>
+        <a:custGeom>
+          <a:avLst/>
+          <a:gdLst/>
+          <a:ahLst/>
+          <a:cxnLst/>
+          <a:rect l="0" t="0" r="0" b="0"/>
+          <a:pathLst>
+            <a:path>
+              <a:moveTo>
+                <a:pt x="0" y="0"/>
+              </a:moveTo>
+              <a:lnTo>
+                <a:pt x="0" y="119959"/>
+              </a:lnTo>
+              <a:lnTo>
+                <a:pt x="2597546" y="119959"/>
+              </a:lnTo>
+              <a:lnTo>
+                <a:pt x="2597546" y="238029"/>
+              </a:lnTo>
+            </a:path>
+          </a:pathLst>
+        </a:custGeom>
+        <a:noFill/>
+        <a:ln w="12700" cap="flat" cmpd="sng" algn="ctr">
+          <a:solidFill>
+            <a:schemeClr val="accent1">
+              <a:shade val="60000"/>
+              <a:hueOff val="0"/>
+              <a:satOff val="0"/>
+              <a:lumOff val="0"/>
+              <a:alphaOff val="0"/>
+            </a:schemeClr>
+          </a:solidFill>
+          <a:prstDash val="solid"/>
+          <a:miter lim="800000"/>
+        </a:ln>
+        <a:effectLst/>
+      </dsp:spPr>
+      <dsp:style>
+        <a:lnRef idx="2">
+          <a:scrgbClr r="0" g="0" b="0"/>
+        </a:lnRef>
+        <a:fillRef idx="0">
+          <a:scrgbClr r="0" g="0" b="0"/>
+        </a:fillRef>
+        <a:effectRef idx="0">
+          <a:scrgbClr r="0" g="0" b="0"/>
+        </a:effectRef>
+        <a:fontRef idx="minor"/>
+      </dsp:style>
+    </dsp:sp>
+    <dsp:sp modelId="{B58275B4-66BC-483F-A393-A56DF2D0D8DB}">
+      <dsp:nvSpPr>
+        <dsp:cNvPr id="0" name=""/>
+        <dsp:cNvSpPr/>
+      </dsp:nvSpPr>
+      <dsp:spPr>
+        <a:xfrm>
+          <a:off x="4490561" y="3088103"/>
+          <a:ext cx="91440" cy="238029"/>
+        </a:xfrm>
+        <a:custGeom>
+          <a:avLst/>
+          <a:gdLst/>
+          <a:ahLst/>
+          <a:cxnLst/>
+          <a:rect l="0" t="0" r="0" b="0"/>
+          <a:pathLst>
+            <a:path>
+              <a:moveTo>
+                <a:pt x="45720" y="0"/>
+              </a:moveTo>
+              <a:lnTo>
+                <a:pt x="45720" y="238029"/>
+              </a:lnTo>
+            </a:path>
+          </a:pathLst>
+        </a:custGeom>
+        <a:noFill/>
+        <a:ln w="12700" cap="flat" cmpd="sng" algn="ctr">
+          <a:solidFill>
+            <a:schemeClr val="accent1">
+              <a:shade val="80000"/>
+              <a:hueOff val="0"/>
+              <a:satOff val="0"/>
+              <a:lumOff val="0"/>
+              <a:alphaOff val="0"/>
+            </a:schemeClr>
+          </a:solidFill>
+          <a:prstDash val="solid"/>
+          <a:miter lim="800000"/>
+        </a:ln>
+        <a:effectLst/>
+      </dsp:spPr>
+      <dsp:style>
+        <a:lnRef idx="2">
+          <a:scrgbClr r="0" g="0" b="0"/>
+        </a:lnRef>
+        <a:fillRef idx="0">
+          <a:scrgbClr r="0" g="0" b="0"/>
+        </a:fillRef>
+        <a:effectRef idx="0">
+          <a:scrgbClr r="0" g="0" b="0"/>
+        </a:effectRef>
+        <a:fontRef idx="minor"/>
+      </dsp:style>
+    </dsp:sp>
+    <dsp:sp modelId="{C227DF42-02D8-4CF1-B61B-859D18DB8B75}">
+      <dsp:nvSpPr>
+        <dsp:cNvPr id="0" name=""/>
+        <dsp:cNvSpPr/>
+      </dsp:nvSpPr>
+      <dsp:spPr>
+        <a:xfrm>
+          <a:off x="4016771" y="2094423"/>
+          <a:ext cx="519509" cy="238029"/>
+        </a:xfrm>
+        <a:custGeom>
+          <a:avLst/>
+          <a:gdLst/>
+          <a:ahLst/>
+          <a:cxnLst/>
+          <a:rect l="0" t="0" r="0" b="0"/>
+          <a:pathLst>
+            <a:path>
+              <a:moveTo>
+                <a:pt x="0" y="0"/>
+              </a:moveTo>
+              <a:lnTo>
+                <a:pt x="0" y="119959"/>
+              </a:lnTo>
+              <a:lnTo>
+                <a:pt x="519509" y="119959"/>
+              </a:lnTo>
+              <a:lnTo>
+                <a:pt x="519509" y="238029"/>
+              </a:lnTo>
+            </a:path>
+          </a:pathLst>
+        </a:custGeom>
+        <a:noFill/>
+        <a:ln w="12700" cap="flat" cmpd="sng" algn="ctr">
+          <a:solidFill>
+            <a:schemeClr val="accent1">
+              <a:shade val="60000"/>
+              <a:hueOff val="0"/>
+              <a:satOff val="0"/>
+              <a:lumOff val="0"/>
+              <a:alphaOff val="0"/>
+            </a:schemeClr>
+          </a:solidFill>
+          <a:prstDash val="solid"/>
+          <a:miter lim="800000"/>
+        </a:ln>
+        <a:effectLst/>
+      </dsp:spPr>
+      <dsp:style>
+        <a:lnRef idx="2">
+          <a:scrgbClr r="0" g="0" b="0"/>
+        </a:lnRef>
+        <a:fillRef idx="0">
+          <a:scrgbClr r="0" g="0" b="0"/>
+        </a:fillRef>
+        <a:effectRef idx="0">
+          <a:scrgbClr r="0" g="0" b="0"/>
+        </a:effectRef>
+        <a:fontRef idx="minor"/>
+      </dsp:style>
+    </dsp:sp>
+    <dsp:sp modelId="{530B3FF5-B0B6-4922-8688-A73BF689380E}">
+      <dsp:nvSpPr>
+        <dsp:cNvPr id="0" name=""/>
+        <dsp:cNvSpPr/>
+      </dsp:nvSpPr>
+      <dsp:spPr>
+        <a:xfrm>
+          <a:off x="1419224" y="3088103"/>
+          <a:ext cx="1039018" cy="238029"/>
+        </a:xfrm>
+        <a:custGeom>
+          <a:avLst/>
+          <a:gdLst/>
+          <a:ahLst/>
+          <a:cxnLst/>
+          <a:rect l="0" t="0" r="0" b="0"/>
+          <a:pathLst>
+            <a:path>
+              <a:moveTo>
+                <a:pt x="0" y="0"/>
+              </a:moveTo>
+              <a:lnTo>
+                <a:pt x="0" y="119959"/>
+              </a:lnTo>
+              <a:lnTo>
+                <a:pt x="1039018" y="119959"/>
+              </a:lnTo>
+              <a:lnTo>
+                <a:pt x="1039018" y="238029"/>
+              </a:lnTo>
+            </a:path>
+          </a:pathLst>
+        </a:custGeom>
+        <a:noFill/>
+        <a:ln w="12700" cap="flat" cmpd="sng" algn="ctr">
+          <a:solidFill>
+            <a:schemeClr val="accent1">
+              <a:shade val="80000"/>
+              <a:hueOff val="0"/>
+              <a:satOff val="0"/>
+              <a:lumOff val="0"/>
+              <a:alphaOff val="0"/>
+            </a:schemeClr>
+          </a:solidFill>
+          <a:prstDash val="solid"/>
+          <a:miter lim="800000"/>
+        </a:ln>
+        <a:effectLst/>
+      </dsp:spPr>
+      <dsp:style>
+        <a:lnRef idx="2">
+          <a:scrgbClr r="0" g="0" b="0"/>
+        </a:lnRef>
+        <a:fillRef idx="0">
+          <a:scrgbClr r="0" g="0" b="0"/>
+        </a:fillRef>
+        <a:effectRef idx="0">
+          <a:scrgbClr r="0" g="0" b="0"/>
+        </a:effectRef>
+        <a:fontRef idx="minor"/>
+      </dsp:style>
+    </dsp:sp>
+    <dsp:sp modelId="{86978F54-E1C0-40A9-9118-497761626CBB}">
+      <dsp:nvSpPr>
+        <dsp:cNvPr id="0" name=""/>
+        <dsp:cNvSpPr/>
+      </dsp:nvSpPr>
+      <dsp:spPr>
+        <a:xfrm>
+          <a:off x="380206" y="3088103"/>
+          <a:ext cx="1039018" cy="238029"/>
+        </a:xfrm>
+        <a:custGeom>
+          <a:avLst/>
+          <a:gdLst/>
+          <a:ahLst/>
+          <a:cxnLst/>
+          <a:rect l="0" t="0" r="0" b="0"/>
+          <a:pathLst>
+            <a:path>
+              <a:moveTo>
+                <a:pt x="1039018" y="0"/>
+              </a:moveTo>
+              <a:lnTo>
+                <a:pt x="1039018" y="119959"/>
+              </a:lnTo>
+              <a:lnTo>
+                <a:pt x="0" y="119959"/>
+              </a:lnTo>
+              <a:lnTo>
+                <a:pt x="0" y="238029"/>
+              </a:lnTo>
+            </a:path>
+          </a:pathLst>
+        </a:custGeom>
+        <a:noFill/>
+        <a:ln w="12700" cap="flat" cmpd="sng" algn="ctr">
+          <a:solidFill>
+            <a:schemeClr val="accent1">
+              <a:shade val="80000"/>
+              <a:hueOff val="0"/>
+              <a:satOff val="0"/>
+              <a:lumOff val="0"/>
+              <a:alphaOff val="0"/>
+            </a:schemeClr>
+          </a:solidFill>
+          <a:prstDash val="solid"/>
+          <a:miter lim="800000"/>
+        </a:ln>
+        <a:effectLst/>
+      </dsp:spPr>
+      <dsp:style>
+        <a:lnRef idx="2">
+          <a:scrgbClr r="0" g="0" b="0"/>
+        </a:lnRef>
+        <a:fillRef idx="0">
+          <a:scrgbClr r="0" g="0" b="0"/>
+        </a:fillRef>
+        <a:effectRef idx="0">
+          <a:scrgbClr r="0" g="0" b="0"/>
+        </a:effectRef>
+        <a:fontRef idx="minor"/>
+      </dsp:style>
+    </dsp:sp>
+    <dsp:sp modelId="{30E16A0B-8316-4656-B4BB-634D4D5D94FF}">
+      <dsp:nvSpPr>
+        <dsp:cNvPr id="0" name=""/>
+        <dsp:cNvSpPr/>
+      </dsp:nvSpPr>
+      <dsp:spPr>
+        <a:xfrm>
+          <a:off x="1419224" y="2094423"/>
+          <a:ext cx="2597546" cy="238029"/>
+        </a:xfrm>
+        <a:custGeom>
+          <a:avLst/>
+          <a:gdLst/>
+          <a:ahLst/>
+          <a:cxnLst/>
+          <a:rect l="0" t="0" r="0" b="0"/>
+          <a:pathLst>
+            <a:path>
+              <a:moveTo>
+                <a:pt x="2597546" y="0"/>
+              </a:moveTo>
+              <a:lnTo>
+                <a:pt x="2597546" y="119959"/>
+              </a:lnTo>
+              <a:lnTo>
+                <a:pt x="0" y="119959"/>
+              </a:lnTo>
+              <a:lnTo>
+                <a:pt x="0" y="238029"/>
+              </a:lnTo>
+            </a:path>
+          </a:pathLst>
+        </a:custGeom>
+        <a:noFill/>
+        <a:ln w="12700" cap="flat" cmpd="sng" algn="ctr">
+          <a:solidFill>
+            <a:schemeClr val="accent1">
+              <a:shade val="60000"/>
+              <a:hueOff val="0"/>
+              <a:satOff val="0"/>
+              <a:lumOff val="0"/>
+              <a:alphaOff val="0"/>
+            </a:schemeClr>
+          </a:solidFill>
+          <a:prstDash val="solid"/>
+          <a:miter lim="800000"/>
+        </a:ln>
+        <a:effectLst/>
+      </dsp:spPr>
+      <dsp:style>
+        <a:lnRef idx="2">
+          <a:scrgbClr r="0" g="0" b="0"/>
+        </a:lnRef>
+        <a:fillRef idx="0">
+          <a:scrgbClr r="0" g="0" b="0"/>
+        </a:fillRef>
+        <a:effectRef idx="0">
+          <a:scrgbClr r="0" g="0" b="0"/>
+        </a:effectRef>
+        <a:fontRef idx="minor"/>
+      </dsp:style>
+    </dsp:sp>
+    <dsp:sp modelId="{83A2717C-D252-4267-A0DB-A894CFEF4DAB}">
+      <dsp:nvSpPr>
+        <dsp:cNvPr id="0" name=""/>
+        <dsp:cNvSpPr/>
+      </dsp:nvSpPr>
+      <dsp:spPr>
+        <a:xfrm>
+          <a:off x="3638946" y="1338773"/>
+          <a:ext cx="755649" cy="755649"/>
+        </a:xfrm>
+        <a:prstGeom prst="ellipse">
+          <a:avLst/>
+        </a:prstGeom>
+        <a:solidFill>
+          <a:schemeClr val="accent1">
+            <a:hueOff val="0"/>
+            <a:satOff val="0"/>
+            <a:lumOff val="0"/>
+            <a:alphaOff val="0"/>
+          </a:schemeClr>
+        </a:solidFill>
+        <a:ln w="12700" cap="flat" cmpd="sng" algn="ctr">
+          <a:solidFill>
+            <a:schemeClr val="lt1">
+              <a:hueOff val="0"/>
+              <a:satOff val="0"/>
+              <a:lumOff val="0"/>
+              <a:alphaOff val="0"/>
+            </a:schemeClr>
+          </a:solidFill>
+          <a:prstDash val="solid"/>
+          <a:miter lim="800000"/>
+        </a:ln>
+        <a:effectLst/>
+      </dsp:spPr>
+      <dsp:style>
+        <a:lnRef idx="2">
+          <a:scrgbClr r="0" g="0" b="0"/>
+        </a:lnRef>
+        <a:fillRef idx="1">
+          <a:scrgbClr r="0" g="0" b="0"/>
+        </a:fillRef>
+        <a:effectRef idx="0">
+          <a:scrgbClr r="0" g="0" b="0"/>
+        </a:effectRef>
+        <a:fontRef idx="minor">
+          <a:schemeClr val="lt1"/>
+        </a:fontRef>
+      </dsp:style>
+    </dsp:sp>
+    <dsp:sp modelId="{CE6FA413-52B1-46F3-8761-4A0FF73E6303}">
+      <dsp:nvSpPr>
+        <dsp:cNvPr id="0" name=""/>
+        <dsp:cNvSpPr/>
+      </dsp:nvSpPr>
+      <dsp:spPr>
+        <a:xfrm>
+          <a:off x="4394596" y="1336884"/>
+          <a:ext cx="1133475" cy="755649"/>
+        </a:xfrm>
+        <a:prstGeom prst="rect">
+          <a:avLst/>
+        </a:prstGeom>
+        <a:noFill/>
+        <a:ln>
+          <a:noFill/>
+        </a:ln>
+        <a:effectLst/>
+      </dsp:spPr>
+      <dsp:style>
+        <a:lnRef idx="0">
+          <a:scrgbClr r="0" g="0" b="0"/>
+        </a:lnRef>
+        <a:fillRef idx="0">
+          <a:scrgbClr r="0" g="0" b="0"/>
+        </a:fillRef>
+        <a:effectRef idx="0">
+          <a:scrgbClr r="0" g="0" b="0"/>
+        </a:effectRef>
+        <a:fontRef idx="minor"/>
+      </dsp:style>
+      <dsp:txBody>
+        <a:bodyPr spcFirstLastPara="0" vert="horz" wrap="square" lIns="118110" tIns="118110" rIns="118110" bIns="118110" numCol="1" spcCol="1270" anchor="ctr" anchorCtr="0">
+          <a:noAutofit/>
+        </a:bodyPr>
+        <a:lstStyle/>
+        <a:p>
+          <a:pPr marL="0" lvl="0" indent="0" algn="l" defTabSz="1377950">
+            <a:lnSpc>
+              <a:spcPct val="90000"/>
+            </a:lnSpc>
+            <a:spcBef>
+              <a:spcPct val="0"/>
+            </a:spcBef>
+            <a:spcAft>
+              <a:spcPct val="35000"/>
+            </a:spcAft>
+            <a:buNone/>
+          </a:pPr>
+          <a:endParaRPr lang="de-DE" sz="3100" kern="1200" dirty="0"/>
+        </a:p>
+      </dsp:txBody>
+      <dsp:txXfrm>
+        <a:off x="4394596" y="1336884"/>
+        <a:ext cx="1133475" cy="755649"/>
+      </dsp:txXfrm>
+    </dsp:sp>
+    <dsp:sp modelId="{925CA995-9BCD-46C1-AD8D-5BEBCAB9B21E}">
+      <dsp:nvSpPr>
+        <dsp:cNvPr id="0" name=""/>
+        <dsp:cNvSpPr/>
+      </dsp:nvSpPr>
+      <dsp:spPr>
+        <a:xfrm>
+          <a:off x="1041399" y="2332453"/>
+          <a:ext cx="755649" cy="755649"/>
+        </a:xfrm>
+        <a:prstGeom prst="ellipse">
+          <a:avLst/>
+        </a:prstGeom>
+        <a:solidFill>
+          <a:schemeClr val="accent1">
+            <a:hueOff val="0"/>
+            <a:satOff val="0"/>
+            <a:lumOff val="0"/>
+            <a:alphaOff val="0"/>
+          </a:schemeClr>
+        </a:solidFill>
+        <a:ln w="12700" cap="flat" cmpd="sng" algn="ctr">
+          <a:solidFill>
+            <a:schemeClr val="lt1">
+              <a:hueOff val="0"/>
+              <a:satOff val="0"/>
+              <a:lumOff val="0"/>
+              <a:alphaOff val="0"/>
+            </a:schemeClr>
+          </a:solidFill>
+          <a:prstDash val="solid"/>
+          <a:miter lim="800000"/>
+        </a:ln>
+        <a:effectLst/>
+      </dsp:spPr>
+      <dsp:style>
+        <a:lnRef idx="2">
+          <a:scrgbClr r="0" g="0" b="0"/>
+        </a:lnRef>
+        <a:fillRef idx="1">
+          <a:scrgbClr r="0" g="0" b="0"/>
+        </a:fillRef>
+        <a:effectRef idx="0">
+          <a:scrgbClr r="0" g="0" b="0"/>
+        </a:effectRef>
+        <a:fontRef idx="minor">
+          <a:schemeClr val="lt1"/>
+        </a:fontRef>
+      </dsp:style>
+    </dsp:sp>
+    <dsp:sp modelId="{E06DBF84-829E-4390-AB0A-EB23117B6467}">
+      <dsp:nvSpPr>
+        <dsp:cNvPr id="0" name=""/>
+        <dsp:cNvSpPr/>
+      </dsp:nvSpPr>
+      <dsp:spPr>
+        <a:xfrm>
+          <a:off x="1797049" y="2330563"/>
+          <a:ext cx="1133475" cy="755649"/>
+        </a:xfrm>
+        <a:prstGeom prst="rect">
+          <a:avLst/>
+        </a:prstGeom>
+        <a:noFill/>
+        <a:ln>
+          <a:noFill/>
+        </a:ln>
+        <a:effectLst/>
+      </dsp:spPr>
+      <dsp:style>
+        <a:lnRef idx="0">
+          <a:scrgbClr r="0" g="0" b="0"/>
+        </a:lnRef>
+        <a:fillRef idx="0">
+          <a:scrgbClr r="0" g="0" b="0"/>
+        </a:fillRef>
+        <a:effectRef idx="0">
+          <a:scrgbClr r="0" g="0" b="0"/>
+        </a:effectRef>
+        <a:fontRef idx="minor"/>
+      </dsp:style>
+      <dsp:txBody>
+        <a:bodyPr spcFirstLastPara="0" vert="horz" wrap="square" lIns="118110" tIns="118110" rIns="118110" bIns="118110" numCol="1" spcCol="1270" anchor="ctr" anchorCtr="0">
+          <a:noAutofit/>
+        </a:bodyPr>
+        <a:lstStyle/>
+        <a:p>
+          <a:pPr marL="0" lvl="0" indent="0" algn="l" defTabSz="1377950">
+            <a:lnSpc>
+              <a:spcPct val="90000"/>
+            </a:lnSpc>
+            <a:spcBef>
+              <a:spcPct val="0"/>
+            </a:spcBef>
+            <a:spcAft>
+              <a:spcPct val="35000"/>
+            </a:spcAft>
+            <a:buNone/>
+          </a:pPr>
+          <a:endParaRPr lang="de-DE" sz="3100" kern="1200" dirty="0"/>
+        </a:p>
+      </dsp:txBody>
+      <dsp:txXfrm>
+        <a:off x="1797049" y="2330563"/>
+        <a:ext cx="1133475" cy="755649"/>
+      </dsp:txXfrm>
+    </dsp:sp>
+    <dsp:sp modelId="{92EF1F83-3EBA-4FB1-A0AC-0C09BF68D62D}">
+      <dsp:nvSpPr>
+        <dsp:cNvPr id="0" name=""/>
+        <dsp:cNvSpPr/>
+      </dsp:nvSpPr>
+      <dsp:spPr>
+        <a:xfrm>
+          <a:off x="2381" y="3326132"/>
+          <a:ext cx="755649" cy="755649"/>
+        </a:xfrm>
+        <a:prstGeom prst="ellipse">
+          <a:avLst/>
+        </a:prstGeom>
+        <a:solidFill>
+          <a:schemeClr val="accent1">
+            <a:hueOff val="0"/>
+            <a:satOff val="0"/>
+            <a:lumOff val="0"/>
+            <a:alphaOff val="0"/>
+          </a:schemeClr>
+        </a:solidFill>
+        <a:ln w="12700" cap="flat" cmpd="sng" algn="ctr">
+          <a:solidFill>
+            <a:schemeClr val="lt1">
+              <a:hueOff val="0"/>
+              <a:satOff val="0"/>
+              <a:lumOff val="0"/>
+              <a:alphaOff val="0"/>
+            </a:schemeClr>
+          </a:solidFill>
+          <a:prstDash val="solid"/>
+          <a:miter lim="800000"/>
+        </a:ln>
+        <a:effectLst/>
+      </dsp:spPr>
+      <dsp:style>
+        <a:lnRef idx="2">
+          <a:scrgbClr r="0" g="0" b="0"/>
+        </a:lnRef>
+        <a:fillRef idx="1">
+          <a:scrgbClr r="0" g="0" b="0"/>
+        </a:fillRef>
+        <a:effectRef idx="0">
+          <a:scrgbClr r="0" g="0" b="0"/>
+        </a:effectRef>
+        <a:fontRef idx="minor">
+          <a:schemeClr val="lt1"/>
+        </a:fontRef>
+      </dsp:style>
+    </dsp:sp>
+    <dsp:sp modelId="{F89BA68B-406E-4223-9ABC-D740064F78AE}">
+      <dsp:nvSpPr>
+        <dsp:cNvPr id="0" name=""/>
+        <dsp:cNvSpPr/>
+      </dsp:nvSpPr>
+      <dsp:spPr>
+        <a:xfrm>
+          <a:off x="758031" y="3324243"/>
+          <a:ext cx="1133475" cy="755649"/>
+        </a:xfrm>
+        <a:prstGeom prst="rect">
+          <a:avLst/>
+        </a:prstGeom>
+        <a:noFill/>
+        <a:ln>
+          <a:noFill/>
+        </a:ln>
+        <a:effectLst/>
+      </dsp:spPr>
+      <dsp:style>
+        <a:lnRef idx="0">
+          <a:scrgbClr r="0" g="0" b="0"/>
+        </a:lnRef>
+        <a:fillRef idx="0">
+          <a:scrgbClr r="0" g="0" b="0"/>
+        </a:fillRef>
+        <a:effectRef idx="0">
+          <a:scrgbClr r="0" g="0" b="0"/>
+        </a:effectRef>
+        <a:fontRef idx="minor"/>
+      </dsp:style>
+      <dsp:txBody>
+        <a:bodyPr spcFirstLastPara="0" vert="horz" wrap="square" lIns="118110" tIns="118110" rIns="118110" bIns="118110" numCol="1" spcCol="1270" anchor="ctr" anchorCtr="0">
+          <a:noAutofit/>
+        </a:bodyPr>
+        <a:lstStyle/>
+        <a:p>
+          <a:pPr marL="0" lvl="0" indent="0" algn="l" defTabSz="1377950">
+            <a:lnSpc>
+              <a:spcPct val="90000"/>
+            </a:lnSpc>
+            <a:spcBef>
+              <a:spcPct val="0"/>
+            </a:spcBef>
+            <a:spcAft>
+              <a:spcPct val="35000"/>
+            </a:spcAft>
+            <a:buNone/>
+          </a:pPr>
+          <a:endParaRPr lang="de-DE" sz="3100" kern="1200" dirty="0"/>
+        </a:p>
+      </dsp:txBody>
+      <dsp:txXfrm>
+        <a:off x="758031" y="3324243"/>
+        <a:ext cx="1133475" cy="755649"/>
+      </dsp:txXfrm>
+    </dsp:sp>
+    <dsp:sp modelId="{93677298-4FDF-493B-8C01-7FF9268F7B8D}">
+      <dsp:nvSpPr>
+        <dsp:cNvPr id="0" name=""/>
+        <dsp:cNvSpPr/>
+      </dsp:nvSpPr>
+      <dsp:spPr>
+        <a:xfrm>
+          <a:off x="2080418" y="3326132"/>
+          <a:ext cx="755649" cy="755649"/>
+        </a:xfrm>
+        <a:prstGeom prst="ellipse">
+          <a:avLst/>
+        </a:prstGeom>
+        <a:solidFill>
+          <a:schemeClr val="accent1">
+            <a:hueOff val="0"/>
+            <a:satOff val="0"/>
+            <a:lumOff val="0"/>
+            <a:alphaOff val="0"/>
+          </a:schemeClr>
+        </a:solidFill>
+        <a:ln w="12700" cap="flat" cmpd="sng" algn="ctr">
+          <a:solidFill>
+            <a:schemeClr val="lt1">
+              <a:hueOff val="0"/>
+              <a:satOff val="0"/>
+              <a:lumOff val="0"/>
+              <a:alphaOff val="0"/>
+            </a:schemeClr>
+          </a:solidFill>
+          <a:prstDash val="solid"/>
+          <a:miter lim="800000"/>
+        </a:ln>
+        <a:effectLst/>
+      </dsp:spPr>
+      <dsp:style>
+        <a:lnRef idx="2">
+          <a:scrgbClr r="0" g="0" b="0"/>
+        </a:lnRef>
+        <a:fillRef idx="1">
+          <a:scrgbClr r="0" g="0" b="0"/>
+        </a:fillRef>
+        <a:effectRef idx="0">
+          <a:scrgbClr r="0" g="0" b="0"/>
+        </a:effectRef>
+        <a:fontRef idx="minor">
+          <a:schemeClr val="lt1"/>
+        </a:fontRef>
+      </dsp:style>
+    </dsp:sp>
+    <dsp:sp modelId="{D17CB085-B2E8-441E-A3D9-D05FF08BA0A4}">
+      <dsp:nvSpPr>
+        <dsp:cNvPr id="0" name=""/>
+        <dsp:cNvSpPr/>
+      </dsp:nvSpPr>
+      <dsp:spPr>
+        <a:xfrm>
+          <a:off x="2836068" y="3324243"/>
+          <a:ext cx="1133475" cy="755649"/>
+        </a:xfrm>
+        <a:prstGeom prst="rect">
+          <a:avLst/>
+        </a:prstGeom>
+        <a:noFill/>
+        <a:ln>
+          <a:noFill/>
+        </a:ln>
+        <a:effectLst/>
+      </dsp:spPr>
+      <dsp:style>
+        <a:lnRef idx="0">
+          <a:scrgbClr r="0" g="0" b="0"/>
+        </a:lnRef>
+        <a:fillRef idx="0">
+          <a:scrgbClr r="0" g="0" b="0"/>
+        </a:fillRef>
+        <a:effectRef idx="0">
+          <a:scrgbClr r="0" g="0" b="0"/>
+        </a:effectRef>
+        <a:fontRef idx="minor"/>
+      </dsp:style>
+      <dsp:txBody>
+        <a:bodyPr spcFirstLastPara="0" vert="horz" wrap="square" lIns="118110" tIns="118110" rIns="118110" bIns="118110" numCol="1" spcCol="1270" anchor="ctr" anchorCtr="0">
+          <a:noAutofit/>
+        </a:bodyPr>
+        <a:lstStyle/>
+        <a:p>
+          <a:pPr marL="0" lvl="0" indent="0" algn="l" defTabSz="1377950">
+            <a:lnSpc>
+              <a:spcPct val="90000"/>
+            </a:lnSpc>
+            <a:spcBef>
+              <a:spcPct val="0"/>
+            </a:spcBef>
+            <a:spcAft>
+              <a:spcPct val="35000"/>
+            </a:spcAft>
+            <a:buNone/>
+          </a:pPr>
+          <a:endParaRPr lang="de-DE" sz="3100" kern="1200" dirty="0"/>
+        </a:p>
+      </dsp:txBody>
+      <dsp:txXfrm>
+        <a:off x="2836068" y="3324243"/>
+        <a:ext cx="1133475" cy="755649"/>
+      </dsp:txXfrm>
+    </dsp:sp>
+    <dsp:sp modelId="{CEE9862A-DDA3-4D32-A203-D775A6EA72E9}">
+      <dsp:nvSpPr>
+        <dsp:cNvPr id="0" name=""/>
+        <dsp:cNvSpPr/>
+      </dsp:nvSpPr>
+      <dsp:spPr>
+        <a:xfrm>
+          <a:off x="4158456" y="2332453"/>
+          <a:ext cx="755649" cy="755649"/>
+        </a:xfrm>
+        <a:prstGeom prst="ellipse">
+          <a:avLst/>
+        </a:prstGeom>
+        <a:solidFill>
+          <a:schemeClr val="accent1">
+            <a:hueOff val="0"/>
+            <a:satOff val="0"/>
+            <a:lumOff val="0"/>
+            <a:alphaOff val="0"/>
+          </a:schemeClr>
+        </a:solidFill>
+        <a:ln w="12700" cap="flat" cmpd="sng" algn="ctr">
+          <a:solidFill>
+            <a:schemeClr val="lt1">
+              <a:hueOff val="0"/>
+              <a:satOff val="0"/>
+              <a:lumOff val="0"/>
+              <a:alphaOff val="0"/>
+            </a:schemeClr>
+          </a:solidFill>
+          <a:prstDash val="solid"/>
+          <a:miter lim="800000"/>
+        </a:ln>
+        <a:effectLst/>
+      </dsp:spPr>
+      <dsp:style>
+        <a:lnRef idx="2">
+          <a:scrgbClr r="0" g="0" b="0"/>
+        </a:lnRef>
+        <a:fillRef idx="1">
+          <a:scrgbClr r="0" g="0" b="0"/>
+        </a:fillRef>
+        <a:effectRef idx="0">
+          <a:scrgbClr r="0" g="0" b="0"/>
+        </a:effectRef>
+        <a:fontRef idx="minor">
+          <a:schemeClr val="lt1"/>
+        </a:fontRef>
+      </dsp:style>
+    </dsp:sp>
+    <dsp:sp modelId="{1E6A0517-084E-43BC-A591-4124AE3EAA23}">
+      <dsp:nvSpPr>
+        <dsp:cNvPr id="0" name=""/>
+        <dsp:cNvSpPr/>
+      </dsp:nvSpPr>
+      <dsp:spPr>
+        <a:xfrm>
+          <a:off x="4914106" y="2330563"/>
+          <a:ext cx="1133475" cy="755649"/>
+        </a:xfrm>
+        <a:prstGeom prst="rect">
+          <a:avLst/>
+        </a:prstGeom>
+        <a:noFill/>
+        <a:ln>
+          <a:noFill/>
+        </a:ln>
+        <a:effectLst/>
+      </dsp:spPr>
+      <dsp:style>
+        <a:lnRef idx="0">
+          <a:scrgbClr r="0" g="0" b="0"/>
+        </a:lnRef>
+        <a:fillRef idx="0">
+          <a:scrgbClr r="0" g="0" b="0"/>
+        </a:fillRef>
+        <a:effectRef idx="0">
+          <a:scrgbClr r="0" g="0" b="0"/>
+        </a:effectRef>
+        <a:fontRef idx="minor"/>
+      </dsp:style>
+      <dsp:txBody>
+        <a:bodyPr spcFirstLastPara="0" vert="horz" wrap="square" lIns="118110" tIns="118110" rIns="118110" bIns="118110" numCol="1" spcCol="1270" anchor="ctr" anchorCtr="0">
+          <a:noAutofit/>
+        </a:bodyPr>
+        <a:lstStyle/>
+        <a:p>
+          <a:pPr marL="0" lvl="0" indent="0" algn="l" defTabSz="1377950">
+            <a:lnSpc>
+              <a:spcPct val="90000"/>
+            </a:lnSpc>
+            <a:spcBef>
+              <a:spcPct val="0"/>
+            </a:spcBef>
+            <a:spcAft>
+              <a:spcPct val="35000"/>
+            </a:spcAft>
+            <a:buNone/>
+          </a:pPr>
+          <a:endParaRPr lang="de-DE" sz="3100" kern="1200" dirty="0"/>
+        </a:p>
+      </dsp:txBody>
+      <dsp:txXfrm>
+        <a:off x="4914106" y="2330563"/>
+        <a:ext cx="1133475" cy="755649"/>
+      </dsp:txXfrm>
+    </dsp:sp>
+    <dsp:sp modelId="{6B417D99-C9ED-494E-A581-E43D66212932}">
+      <dsp:nvSpPr>
+        <dsp:cNvPr id="0" name=""/>
+        <dsp:cNvSpPr/>
+      </dsp:nvSpPr>
+      <dsp:spPr>
+        <a:xfrm>
+          <a:off x="4158456" y="3326132"/>
+          <a:ext cx="755649" cy="755649"/>
+        </a:xfrm>
+        <a:prstGeom prst="ellipse">
+          <a:avLst/>
+        </a:prstGeom>
+        <a:solidFill>
+          <a:schemeClr val="accent1">
+            <a:hueOff val="0"/>
+            <a:satOff val="0"/>
+            <a:lumOff val="0"/>
+            <a:alphaOff val="0"/>
+          </a:schemeClr>
+        </a:solidFill>
+        <a:ln w="12700" cap="flat" cmpd="sng" algn="ctr">
+          <a:solidFill>
+            <a:schemeClr val="lt1">
+              <a:hueOff val="0"/>
+              <a:satOff val="0"/>
+              <a:lumOff val="0"/>
+              <a:alphaOff val="0"/>
+            </a:schemeClr>
+          </a:solidFill>
+          <a:prstDash val="solid"/>
+          <a:miter lim="800000"/>
+        </a:ln>
+        <a:effectLst/>
+      </dsp:spPr>
+      <dsp:style>
+        <a:lnRef idx="2">
+          <a:scrgbClr r="0" g="0" b="0"/>
+        </a:lnRef>
+        <a:fillRef idx="1">
+          <a:scrgbClr r="0" g="0" b="0"/>
+        </a:fillRef>
+        <a:effectRef idx="0">
+          <a:scrgbClr r="0" g="0" b="0"/>
+        </a:effectRef>
+        <a:fontRef idx="minor">
+          <a:schemeClr val="lt1"/>
+        </a:fontRef>
+      </dsp:style>
+    </dsp:sp>
+    <dsp:sp modelId="{CD6B226A-0248-485D-8125-F918BB38905A}">
+      <dsp:nvSpPr>
+        <dsp:cNvPr id="0" name=""/>
+        <dsp:cNvSpPr/>
+      </dsp:nvSpPr>
+      <dsp:spPr>
+        <a:xfrm>
+          <a:off x="4914106" y="3324243"/>
+          <a:ext cx="1133475" cy="755649"/>
+        </a:xfrm>
+        <a:prstGeom prst="rect">
+          <a:avLst/>
+        </a:prstGeom>
+        <a:noFill/>
+        <a:ln>
+          <a:noFill/>
+        </a:ln>
+        <a:effectLst/>
+      </dsp:spPr>
+      <dsp:style>
+        <a:lnRef idx="0">
+          <a:scrgbClr r="0" g="0" b="0"/>
+        </a:lnRef>
+        <a:fillRef idx="0">
+          <a:scrgbClr r="0" g="0" b="0"/>
+        </a:fillRef>
+        <a:effectRef idx="0">
+          <a:scrgbClr r="0" g="0" b="0"/>
+        </a:effectRef>
+        <a:fontRef idx="minor"/>
+      </dsp:style>
+      <dsp:txBody>
+        <a:bodyPr spcFirstLastPara="0" vert="horz" wrap="square" lIns="118110" tIns="118110" rIns="118110" bIns="118110" numCol="1" spcCol="1270" anchor="ctr" anchorCtr="0">
+          <a:noAutofit/>
+        </a:bodyPr>
+        <a:lstStyle/>
+        <a:p>
+          <a:pPr marL="0" lvl="0" indent="0" algn="l" defTabSz="1377950">
+            <a:lnSpc>
+              <a:spcPct val="90000"/>
+            </a:lnSpc>
+            <a:spcBef>
+              <a:spcPct val="0"/>
+            </a:spcBef>
+            <a:spcAft>
+              <a:spcPct val="35000"/>
+            </a:spcAft>
+            <a:buNone/>
+          </a:pPr>
+          <a:endParaRPr lang="de-DE" sz="3100" kern="1200"/>
+        </a:p>
+      </dsp:txBody>
+      <dsp:txXfrm>
+        <a:off x="4914106" y="3324243"/>
+        <a:ext cx="1133475" cy="755649"/>
+      </dsp:txXfrm>
+    </dsp:sp>
+    <dsp:sp modelId="{BAC4D492-FBA2-4548-87D8-0EC3A5776FFF}">
+      <dsp:nvSpPr>
+        <dsp:cNvPr id="0" name=""/>
+        <dsp:cNvSpPr/>
+      </dsp:nvSpPr>
+      <dsp:spPr>
+        <a:xfrm>
+          <a:off x="6236493" y="2332453"/>
+          <a:ext cx="755649" cy="755649"/>
+        </a:xfrm>
+        <a:prstGeom prst="ellipse">
+          <a:avLst/>
+        </a:prstGeom>
+        <a:solidFill>
+          <a:schemeClr val="accent1">
+            <a:hueOff val="0"/>
+            <a:satOff val="0"/>
+            <a:lumOff val="0"/>
+            <a:alphaOff val="0"/>
+          </a:schemeClr>
+        </a:solidFill>
+        <a:ln w="12700" cap="flat" cmpd="sng" algn="ctr">
+          <a:solidFill>
+            <a:schemeClr val="lt1">
+              <a:hueOff val="0"/>
+              <a:satOff val="0"/>
+              <a:lumOff val="0"/>
+              <a:alphaOff val="0"/>
+            </a:schemeClr>
+          </a:solidFill>
+          <a:prstDash val="solid"/>
+          <a:miter lim="800000"/>
+        </a:ln>
+        <a:effectLst/>
+      </dsp:spPr>
+      <dsp:style>
+        <a:lnRef idx="2">
+          <a:scrgbClr r="0" g="0" b="0"/>
+        </a:lnRef>
+        <a:fillRef idx="1">
+          <a:scrgbClr r="0" g="0" b="0"/>
+        </a:fillRef>
+        <a:effectRef idx="0">
+          <a:scrgbClr r="0" g="0" b="0"/>
+        </a:effectRef>
+        <a:fontRef idx="minor">
+          <a:schemeClr val="lt1"/>
+        </a:fontRef>
+      </dsp:style>
+    </dsp:sp>
+    <dsp:sp modelId="{D8A0F21A-ABAE-4786-B765-764A73DC7DA1}">
+      <dsp:nvSpPr>
+        <dsp:cNvPr id="0" name=""/>
+        <dsp:cNvSpPr/>
+      </dsp:nvSpPr>
+      <dsp:spPr>
+        <a:xfrm>
+          <a:off x="6992143" y="2330563"/>
+          <a:ext cx="1133475" cy="755649"/>
+        </a:xfrm>
+        <a:prstGeom prst="rect">
+          <a:avLst/>
+        </a:prstGeom>
+        <a:noFill/>
+        <a:ln>
+          <a:noFill/>
+        </a:ln>
+        <a:effectLst/>
+      </dsp:spPr>
+      <dsp:style>
+        <a:lnRef idx="0">
+          <a:scrgbClr r="0" g="0" b="0"/>
+        </a:lnRef>
+        <a:fillRef idx="0">
+          <a:scrgbClr r="0" g="0" b="0"/>
+        </a:fillRef>
+        <a:effectRef idx="0">
+          <a:scrgbClr r="0" g="0" b="0"/>
+        </a:effectRef>
+        <a:fontRef idx="minor"/>
+      </dsp:style>
+      <dsp:txBody>
+        <a:bodyPr spcFirstLastPara="0" vert="horz" wrap="square" lIns="118110" tIns="118110" rIns="118110" bIns="118110" numCol="1" spcCol="1270" anchor="ctr" anchorCtr="0">
+          <a:noAutofit/>
+        </a:bodyPr>
+        <a:lstStyle/>
+        <a:p>
+          <a:pPr marL="0" lvl="0" indent="0" algn="l" defTabSz="1377950">
+            <a:lnSpc>
+              <a:spcPct val="90000"/>
+            </a:lnSpc>
+            <a:spcBef>
+              <a:spcPct val="0"/>
+            </a:spcBef>
+            <a:spcAft>
+              <a:spcPct val="35000"/>
+            </a:spcAft>
+            <a:buNone/>
+          </a:pPr>
+          <a:endParaRPr lang="de-DE" sz="3100" kern="1200" dirty="0"/>
+        </a:p>
+      </dsp:txBody>
+      <dsp:txXfrm>
+        <a:off x="6992143" y="2330563"/>
+        <a:ext cx="1133475" cy="755649"/>
+      </dsp:txXfrm>
+    </dsp:sp>
+  </dsp:spTree>
+</dsp:drawing>
+</file>
+
+<file path=ppt/diagrams/layout1.xml><?xml version="1.0" encoding="utf-8"?>
+<dgm:layoutDef xmlns:dgm="http://schemas.openxmlformats.org/drawingml/2006/diagram" xmlns:a="http://schemas.openxmlformats.org/drawingml/2006/main" uniqueId="urn:microsoft.com/office/officeart/2009/layout/CirclePictureHierarchy">
+  <dgm:title val=""/>
+  <dgm:desc val=""/>
+  <dgm:catLst>
+    <dgm:cat type="hierarchy" pri="1750"/>
+    <dgm:cat type="picture" pri="23000"/>
+    <dgm:cat type="pictureconvert" pri="23000"/>
+  </dgm:catLst>
+  <dgm:sampData>
+    <dgm:dataModel>
+      <dgm:ptLst>
+        <dgm:pt modelId="0" type="doc"/>
+        <dgm:pt modelId="1">
+          <dgm:prSet phldr="1"/>
+        </dgm:pt>
+        <dgm:pt modelId="2">
+          <dgm:prSet phldr="1"/>
+        </dgm:pt>
+        <dgm:pt modelId="21">
+          <dgm:prSet phldr="1"/>
+        </dgm:pt>
+        <dgm:pt modelId="22">
+          <dgm:prSet phldr="1"/>
+        </dgm:pt>
+        <dgm:pt modelId="3">
+          <dgm:prSet phldr="1"/>
+        </dgm:pt>
+        <dgm:pt modelId="31">
+          <dgm:prSet phldr="1"/>
+        </dgm:pt>
+      </dgm:ptLst>
+      <dgm:cxnLst>
+        <dgm:cxn modelId="4" srcId="0" destId="1" srcOrd="0" destOrd="0"/>
+        <dgm:cxn modelId="5" srcId="1" destId="2" srcOrd="0" destOrd="0"/>
+        <dgm:cxn modelId="6" srcId="1" destId="3" srcOrd="1" destOrd="0"/>
+        <dgm:cxn modelId="23" srcId="2" destId="21" srcOrd="0" destOrd="0"/>
+        <dgm:cxn modelId="24" srcId="2" destId="22" srcOrd="1" destOrd="0"/>
+        <dgm:cxn modelId="33" srcId="3" destId="31" srcOrd="0" destOrd="0"/>
+      </dgm:cxnLst>
+      <dgm:bg/>
+      <dgm:whole/>
+    </dgm:dataModel>
+  </dgm:sampData>
+  <dgm:styleData>
+    <dgm:dataModel>
+      <dgm:ptLst>
+        <dgm:pt modelId="0" type="doc"/>
+        <dgm:pt modelId="1"/>
+        <dgm:pt modelId="11"/>
+        <dgm:pt modelId="12"/>
+      </dgm:ptLst>
+      <dgm:cxnLst>
+        <dgm:cxn modelId="2" srcId="0" destId="1" srcOrd="0" destOrd="0"/>
+        <dgm:cxn modelId="13" srcId="1" destId="11" srcOrd="0" destOrd="0"/>
+        <dgm:cxn modelId="14" srcId="1" destId="12" srcOrd="1" destOrd="0"/>
+      </dgm:cxnLst>
+      <dgm:bg/>
+      <dgm:whole/>
+    </dgm:dataModel>
+  </dgm:styleData>
+  <dgm:clrData>
+    <dgm:dataModel>
+      <dgm:ptLst>
+        <dgm:pt modelId="0" type="doc"/>
+        <dgm:pt modelId="1"/>
+        <dgm:pt modelId="2"/>
+        <dgm:pt modelId="21"/>
+        <dgm:pt modelId="211"/>
+        <dgm:pt modelId="3"/>
+        <dgm:pt modelId="31"/>
+        <dgm:pt modelId="311"/>
+      </dgm:ptLst>
+      <dgm:cxnLst>
+        <dgm:cxn modelId="4" srcId="0" destId="1" srcOrd="0" destOrd="0"/>
+        <dgm:cxn modelId="5" srcId="1" destId="2" srcOrd="0" destOrd="0"/>
+        <dgm:cxn modelId="6" srcId="1" destId="3" srcOrd="1" destOrd="0"/>
+        <dgm:cxn modelId="23" srcId="2" destId="21" srcOrd="0" destOrd="0"/>
+        <dgm:cxn modelId="24" srcId="21" destId="211" srcOrd="0" destOrd="0"/>
+        <dgm:cxn modelId="33" srcId="3" destId="31" srcOrd="0" destOrd="0"/>
+        <dgm:cxn modelId="34" srcId="31" destId="311" srcOrd="0" destOrd="0"/>
+      </dgm:cxnLst>
+      <dgm:bg/>
+      <dgm:whole/>
+    </dgm:dataModel>
+  </dgm:clrData>
+  <dgm:layoutNode name="hierChild1">
+    <dgm:varLst>
+      <dgm:chPref val="1"/>
+      <dgm:dir/>
+      <dgm:animOne val="branch"/>
+      <dgm:animLvl val="lvl"/>
+      <dgm:resizeHandles/>
+    </dgm:varLst>
+    <dgm:choose name="Name0">
+      <dgm:if name="Name1" func="var" arg="dir" op="equ" val="norm">
+        <dgm:alg type="hierChild">
+          <dgm:param type="linDir" val="fromL"/>
+        </dgm:alg>
+      </dgm:if>
+      <dgm:else name="Name2">
+        <dgm:alg type="hierChild">
+          <dgm:param type="linDir" val="fromR"/>
+        </dgm:alg>
+      </dgm:else>
+    </dgm:choose>
+    <dgm:shape xmlns:r="http://schemas.openxmlformats.org/officeDocument/2006/relationships" r:blip="">
+      <dgm:adjLst/>
+    </dgm:shape>
+    <dgm:presOf/>
+    <dgm:constrLst>
+      <dgm:constr type="primFontSz" for="des" ptType="node" op="equ" val="65"/>
+      <dgm:constr type="w" for="des" forName="composite" refType="w"/>
+      <dgm:constr type="h" for="des" forName="composite" refType="w" refFor="des" refForName="composite" fact="0.5"/>
+      <dgm:constr type="w" for="des" forName="composite2" refType="w" refFor="des" refForName="composite"/>
+      <dgm:constr type="h" for="des" forName="composite2" refType="h" refFor="des" refForName="composite"/>
+      <dgm:constr type="w" for="des" forName="composite3" refType="w" refFor="des" refForName="composite"/>
+      <dgm:constr type="h" for="des" forName="composite3" refType="h" refFor="des" refForName="composite"/>
+      <dgm:constr type="w" for="des" forName="composite4" refType="w" refFor="des" refForName="composite"/>
+      <dgm:constr type="h" for="des" forName="composite4" refType="h" refFor="des" refForName="composite"/>
+      <dgm:constr type="w" for="des" forName="composite5" refType="w" refFor="des" refForName="composite"/>
+      <dgm:constr type="h" for="des" forName="composite5" refType="h" refFor="des" refForName="composite"/>
+      <dgm:constr type="sibSp" refType="w" refFor="des" refForName="composite" fact="0.1"/>
+      <dgm:constr type="sibSp" for="des" forName="hierChild2" refType="sibSp"/>
+      <dgm:constr type="sibSp" for="des" forName="hierChild3" refType="sibSp"/>
+      <dgm:constr type="sibSp" for="des" forName="hierChild4" refType="sibSp"/>
+      <dgm:constr type="sibSp" for="des" forName="hierChild5" refType="sibSp"/>
+      <dgm:constr type="sibSp" for="des" forName="hierChild6" refType="sibSp"/>
+      <dgm:constr type="sp" for="des" forName="hierRoot1" refType="h" refFor="des" refForName="composite" fact="0.25"/>
+      <dgm:constr type="sp" for="des" forName="hierRoot2" refType="sp" refFor="des" refForName="hierRoot1"/>
+      <dgm:constr type="sp" for="des" forName="hierRoot3" refType="sp" refFor="des" refForName="hierRoot1"/>
+      <dgm:constr type="sp" for="des" forName="hierRoot4" refType="sp" refFor="des" refForName="hierRoot1"/>
+      <dgm:constr type="sp" for="des" forName="hierRoot5" refType="sp" refFor="des" refForName="hierRoot1"/>
+    </dgm:constrLst>
+    <dgm:ruleLst/>
+    <dgm:forEach name="Name3" axis="ch">
+      <dgm:forEach name="Name4" axis="self" ptType="node">
+        <dgm:layoutNode name="hierRoot1">
+          <dgm:alg type="hierRoot"/>
+          <dgm:shape xmlns:r="http://schemas.openxmlformats.org/officeDocument/2006/relationships" r:blip="">
+            <dgm:adjLst/>
+          </dgm:shape>
+          <dgm:presOf/>
+          <dgm:constrLst>
+            <dgm:constr type="bendDist" for="des" ptType="parTrans" refType="sp" fact="0.5"/>
+          </dgm:constrLst>
+          <dgm:ruleLst/>
+          <dgm:layoutNode name="composite">
+            <dgm:alg type="composite"/>
+            <dgm:shape xmlns:r="http://schemas.openxmlformats.org/officeDocument/2006/relationships" r:blip="">
+              <dgm:adjLst/>
+            </dgm:shape>
+            <dgm:presOf/>
+            <dgm:constrLst>
+              <dgm:constr type="h" for="ch" forName="image" refType="h" fact="0.8"/>
+              <dgm:constr type="w" for="ch" forName="image" refType="h" refFor="ch" refForName="image"/>
+              <dgm:constr type="t" for="ch" forName="image" refType="h" fact="0.1"/>
+              <dgm:constr type="l" for="ch" forName="image"/>
+              <dgm:constr type="w" for="ch" forName="text" refType="w" fact="0.6"/>
+              <dgm:constr type="h" for="ch" forName="text" refType="h" fact="0.8"/>
+              <dgm:constr type="t" for="ch" forName="text" refType="w" fact="0.04"/>
+              <dgm:constr type="l" for="ch" forName="text" refType="w" fact="0.4"/>
+            </dgm:constrLst>
+            <dgm:ruleLst/>
+            <dgm:layoutNode name="image" styleLbl="node0">
+              <dgm:alg type="sp"/>
+              <dgm:shape xmlns:r="http://schemas.openxmlformats.org/officeDocument/2006/relationships" type="ellipse" r:blip="" blipPhldr="1">
+                <dgm:adjLst/>
+              </dgm:shape>
+              <dgm:presOf/>
+              <dgm:constrLst/>
+              <dgm:ruleLst/>
+            </dgm:layoutNode>
+            <dgm:layoutNode name="text" styleLbl="revTx">
+              <dgm:varLst>
+                <dgm:chPref val="3"/>
+              </dgm:varLst>
+              <dgm:alg type="tx">
+                <dgm:param type="parTxLTRAlign" val="l"/>
+                <dgm:param type="parTxRTLAlign" val="r"/>
+              </dgm:alg>
+              <dgm:shape xmlns:r="http://schemas.openxmlformats.org/officeDocument/2006/relationships" type="rect" r:blip="">
+                <dgm:adjLst/>
+              </dgm:shape>
+              <dgm:presOf axis="self"/>
+              <dgm:constrLst>
+                <dgm:constr type="tMarg" refType="primFontSz" fact="0.3"/>
+                <dgm:constr type="bMarg" refType="primFontSz" fact="0.3"/>
+                <dgm:constr type="lMarg" refType="primFontSz" fact="0.3"/>
+                <dgm:constr type="rMarg" refType="primFontSz" fact="0.3"/>
+              </dgm:constrLst>
+              <dgm:ruleLst>
+                <dgm:rule type="primFontSz" val="5" fact="NaN" max="NaN"/>
+              </dgm:ruleLst>
+            </dgm:layoutNode>
+          </dgm:layoutNode>
+          <dgm:layoutNode name="hierChild2">
+            <dgm:choose name="Name5">
+              <dgm:if name="Name6" func="var" arg="dir" op="equ" val="norm">
+                <dgm:alg type="hierChild">
+                  <dgm:param type="linDir" val="fromL"/>
+                </dgm:alg>
+              </dgm:if>
+              <dgm:else name="Name7">
+                <dgm:alg type="hierChild">
+                  <dgm:param type="linDir" val="fromR"/>
+                </dgm:alg>
+              </dgm:else>
+            </dgm:choose>
+            <dgm:shape xmlns:r="http://schemas.openxmlformats.org/officeDocument/2006/relationships" r:blip="">
+              <dgm:adjLst/>
+            </dgm:shape>
+            <dgm:presOf/>
+            <dgm:constrLst/>
+            <dgm:ruleLst/>
+            <dgm:forEach name="Name8" axis="ch">
+              <dgm:forEach name="Name9" axis="self" ptType="parTrans" cnt="1">
+                <dgm:layoutNode name="Name10">
+                  <dgm:alg type="conn">
+                    <dgm:param type="dim" val="1D"/>
+                    <dgm:param type="endSty" val="noArr"/>
+                    <dgm:param type="connRout" val="bend"/>
+                    <dgm:param type="bendPt" val="end"/>
+                    <dgm:param type="begPts" val="bCtr"/>
+                    <dgm:param type="endPts" val="tCtr"/>
+                    <dgm:param type="srcNode" val="image"/>
+                    <dgm:param type="dstNode" val="image2"/>
+                  </dgm:alg>
+                  <dgm:shape xmlns:r="http://schemas.openxmlformats.org/officeDocument/2006/relationships" type="conn" r:blip="" zOrderOff="-999">
+                    <dgm:adjLst/>
+                  </dgm:shape>
+                  <dgm:presOf axis="self"/>
+                  <dgm:constrLst>
+                    <dgm:constr type="begPad"/>
+                    <dgm:constr type="endPad"/>
+                  </dgm:constrLst>
+                  <dgm:ruleLst/>
+                </dgm:layoutNode>
+              </dgm:forEach>
+              <dgm:forEach name="Name11" axis="self" ptType="node">
+                <dgm:layoutNode name="hierRoot2">
+                  <dgm:alg type="hierRoot"/>
+                  <dgm:shape xmlns:r="http://schemas.openxmlformats.org/officeDocument/2006/relationships" r:blip="">
+                    <dgm:adjLst/>
+                  </dgm:shape>
+                  <dgm:presOf/>
+                  <dgm:constrLst>
+                    <dgm:constr type="bendDist" for="des" ptType="parTrans" refType="sp" fact="0.5"/>
+                  </dgm:constrLst>
+                  <dgm:ruleLst/>
+                  <dgm:layoutNode name="composite2">
+                    <dgm:alg type="composite"/>
+                    <dgm:shape xmlns:r="http://schemas.openxmlformats.org/officeDocument/2006/relationships" r:blip="">
+                      <dgm:adjLst/>
+                    </dgm:shape>
+                    <dgm:presOf/>
+                    <dgm:constrLst>
+                      <dgm:constr type="h" for="ch" forName="image2" refType="h" fact="0.8"/>
+                      <dgm:constr type="w" for="ch" forName="image2" refType="h" refFor="ch" refForName="image2"/>
+                      <dgm:constr type="t" for="ch" forName="image2" refType="h" fact="0.1"/>
+                      <dgm:constr type="l" for="ch" forName="image2"/>
+                      <dgm:constr type="w" for="ch" forName="text2" refType="w" fact="0.6"/>
+                      <dgm:constr type="h" for="ch" forName="text2" refType="h" fact="0.8"/>
+                      <dgm:constr type="t" for="ch" forName="text2" refType="w" fact="0.04"/>
+                      <dgm:constr type="l" for="ch" forName="text2" refType="w" fact="0.4"/>
+                    </dgm:constrLst>
+                    <dgm:ruleLst/>
+                    <dgm:layoutNode name="image2">
+                      <dgm:alg type="sp"/>
+                      <dgm:shape xmlns:r="http://schemas.openxmlformats.org/officeDocument/2006/relationships" type="ellipse" r:blip="" blipPhldr="1">
+                        <dgm:adjLst/>
+                      </dgm:shape>
+                      <dgm:presOf/>
+                      <dgm:constrLst/>
+                      <dgm:ruleLst/>
+                    </dgm:layoutNode>
+                    <dgm:layoutNode name="text2" styleLbl="revTx">
+                      <dgm:varLst>
+                        <dgm:chPref val="3"/>
+                      </dgm:varLst>
+                      <dgm:alg type="tx">
+                        <dgm:param type="parTxLTRAlign" val="l"/>
+                        <dgm:param type="parTxRTLAlign" val="r"/>
+                      </dgm:alg>
+                      <dgm:shape xmlns:r="http://schemas.openxmlformats.org/officeDocument/2006/relationships" type="rect" r:blip="">
+                        <dgm:adjLst/>
+                      </dgm:shape>
+                      <dgm:presOf axis="self"/>
+                      <dgm:constrLst>
+                        <dgm:constr type="tMarg" refType="primFontSz" fact="0.3"/>
+                        <dgm:constr type="bMarg" refType="primFontSz" fact="0.3"/>
+                        <dgm:constr type="lMarg" refType="primFontSz" fact="0.3"/>
+                        <dgm:constr type="rMarg" refType="primFontSz" fact="0.3"/>
+                      </dgm:constrLst>
+                      <dgm:ruleLst>
+                        <dgm:rule type="primFontSz" val="5" fact="NaN" max="NaN"/>
+                      </dgm:ruleLst>
+                    </dgm:layoutNode>
+                  </dgm:layoutNode>
+                  <dgm:layoutNode name="hierChild3">
+                    <dgm:choose name="Name12">
+                      <dgm:if name="Name13" func="var" arg="dir" op="equ" val="norm">
+                        <dgm:alg type="hierChild">
+                          <dgm:param type="linDir" val="fromL"/>
+                        </dgm:alg>
+                      </dgm:if>
+                      <dgm:else name="Name14">
+                        <dgm:alg type="hierChild">
+                          <dgm:param type="linDir" val="fromR"/>
+                        </dgm:alg>
+                      </dgm:else>
+                    </dgm:choose>
+                    <dgm:shape xmlns:r="http://schemas.openxmlformats.org/officeDocument/2006/relationships" r:blip="">
+                      <dgm:adjLst/>
+                    </dgm:shape>
+                    <dgm:presOf/>
+                    <dgm:constrLst/>
+                    <dgm:ruleLst/>
+                    <dgm:forEach name="Name15" axis="ch">
+                      <dgm:forEach name="Name16" axis="self" ptType="parTrans" cnt="1">
+                        <dgm:layoutNode name="Name17">
+                          <dgm:alg type="conn">
+                            <dgm:param type="dim" val="1D"/>
+                            <dgm:param type="endSty" val="noArr"/>
+                            <dgm:param type="connRout" val="bend"/>
+                            <dgm:param type="bendPt" val="end"/>
+                            <dgm:param type="begPts" val="bCtr"/>
+                            <dgm:param type="endPts" val="tCtr"/>
+                            <dgm:param type="srcNode" val="image2"/>
+                            <dgm:param type="dstNode" val="image3"/>
+                          </dgm:alg>
+                          <dgm:shape xmlns:r="http://schemas.openxmlformats.org/officeDocument/2006/relationships" type="conn" r:blip="" zOrderOff="-999">
+                            <dgm:adjLst/>
+                          </dgm:shape>
+                          <dgm:presOf axis="self"/>
+                          <dgm:constrLst>
+                            <dgm:constr type="begPad"/>
+                            <dgm:constr type="endPad"/>
+                          </dgm:constrLst>
+                          <dgm:ruleLst/>
+                        </dgm:layoutNode>
+                      </dgm:forEach>
+                      <dgm:forEach name="Name18" axis="self" ptType="node">
+                        <dgm:layoutNode name="hierRoot3">
+                          <dgm:alg type="hierRoot"/>
+                          <dgm:shape xmlns:r="http://schemas.openxmlformats.org/officeDocument/2006/relationships" r:blip="">
+                            <dgm:adjLst/>
+                          </dgm:shape>
+                          <dgm:presOf/>
+                          <dgm:constrLst>
+                            <dgm:constr type="bendDist" for="des" ptType="parTrans" refType="sp" fact="0.5"/>
+                          </dgm:constrLst>
+                          <dgm:ruleLst/>
+                          <dgm:layoutNode name="composite3">
+                            <dgm:alg type="composite"/>
+                            <dgm:shape xmlns:r="http://schemas.openxmlformats.org/officeDocument/2006/relationships" r:blip="">
+                              <dgm:adjLst/>
+                            </dgm:shape>
+                            <dgm:presOf/>
+                            <dgm:constrLst>
+                              <dgm:constr type="h" for="ch" forName="image3" refType="h" fact="0.8"/>
+                              <dgm:constr type="w" for="ch" forName="image3" refType="h" refFor="ch" refForName="image3"/>
+                              <dgm:constr type="t" for="ch" forName="image3" refType="h" fact="0.1"/>
+                              <dgm:constr type="l" for="ch" forName="image3"/>
+                              <dgm:constr type="w" for="ch" forName="text3" refType="w" fact="0.6"/>
+                              <dgm:constr type="h" for="ch" forName="text3" refType="h" fact="0.8"/>
+                              <dgm:constr type="t" for="ch" forName="text3" refType="w" fact="0.04"/>
+                              <dgm:constr type="l" for="ch" forName="text3" refType="w" fact="0.4"/>
+                            </dgm:constrLst>
+                            <dgm:ruleLst/>
+                            <dgm:layoutNode name="image3">
+                              <dgm:alg type="sp"/>
+                              <dgm:shape xmlns:r="http://schemas.openxmlformats.org/officeDocument/2006/relationships" type="ellipse" r:blip="" blipPhldr="1">
+                                <dgm:adjLst/>
+                              </dgm:shape>
+                              <dgm:presOf/>
+                              <dgm:constrLst/>
+                              <dgm:ruleLst/>
+                            </dgm:layoutNode>
+                            <dgm:layoutNode name="text3" styleLbl="revTx">
+                              <dgm:varLst>
+                                <dgm:chPref val="3"/>
+                              </dgm:varLst>
+                              <dgm:alg type="tx">
+                                <dgm:param type="parTxLTRAlign" val="l"/>
+                                <dgm:param type="parTxRTLAlign" val="r"/>
+                              </dgm:alg>
+                              <dgm:shape xmlns:r="http://schemas.openxmlformats.org/officeDocument/2006/relationships" type="rect" r:blip="">
+                                <dgm:adjLst/>
+                              </dgm:shape>
+                              <dgm:presOf axis="self"/>
+                              <dgm:constrLst>
+                                <dgm:constr type="tMarg" refType="primFontSz" fact="0.3"/>
+                                <dgm:constr type="bMarg" refType="primFontSz" fact="0.3"/>
+                                <dgm:constr type="lMarg" refType="primFontSz" fact="0.3"/>
+                                <dgm:constr type="rMarg" refType="primFontSz" fact="0.3"/>
+                              </dgm:constrLst>
+                              <dgm:ruleLst>
+                                <dgm:rule type="primFontSz" val="5" fact="NaN" max="NaN"/>
+                              </dgm:ruleLst>
+                            </dgm:layoutNode>
+                          </dgm:layoutNode>
+                          <dgm:layoutNode name="hierChild4">
+                            <dgm:choose name="Name19">
+                              <dgm:if name="Name20" func="var" arg="dir" op="equ" val="norm">
+                                <dgm:alg type="hierChild">
+                                  <dgm:param type="linDir" val="fromL"/>
+                                </dgm:alg>
+                              </dgm:if>
+                              <dgm:else name="Name21">
+                                <dgm:alg type="hierChild">
+                                  <dgm:param type="linDir" val="fromR"/>
+                                </dgm:alg>
+                              </dgm:else>
+                            </dgm:choose>
+                            <dgm:shape xmlns:r="http://schemas.openxmlformats.org/officeDocument/2006/relationships" r:blip="">
+                              <dgm:adjLst/>
+                            </dgm:shape>
+                            <dgm:presOf/>
+                            <dgm:constrLst/>
+                            <dgm:ruleLst/>
+                            <dgm:forEach name="repeat" axis="ch">
+                              <dgm:forEach name="Name22" axis="self" ptType="parTrans" cnt="1">
+                                <dgm:layoutNode name="Name23">
+                                  <dgm:choose name="Name24">
+                                    <dgm:if name="Name25" axis="self" func="depth" op="lte" val="4">
+                                      <dgm:alg type="conn">
+                                        <dgm:param type="dim" val="1D"/>
+                                        <dgm:param type="endSty" val="noArr"/>
+                                        <dgm:param type="connRout" val="bend"/>
+                                        <dgm:param type="bendPt" val="end"/>
+                                        <dgm:param type="begPts" val="bCtr"/>
+                                        <dgm:param type="endPts" val="tCtr"/>
+                                        <dgm:param type="srcNode" val="image3"/>
+                                        <dgm:param type="dstNode" val="image4"/>
+                                      </dgm:alg>
+                                    </dgm:if>
+                                    <dgm:else name="Name26">
+                                      <dgm:alg type="conn">
+                                        <dgm:param type="dim" val="1D"/>
+                                        <dgm:param type="endSty" val="noArr"/>
+                                        <dgm:param type="connRout" val="bend"/>
+                                        <dgm:param type="bendPt" val="end"/>
+                                        <dgm:param type="begPts" val="bCtr"/>
+                                        <dgm:param type="endPts" val="tCtr"/>
+                                        <dgm:param type="srcNode" val="image4"/>
+                                        <dgm:param type="dstNode" val="image4"/>
+                                      </dgm:alg>
+                                    </dgm:else>
+                                  </dgm:choose>
+                                  <dgm:shape xmlns:r="http://schemas.openxmlformats.org/officeDocument/2006/relationships" type="conn" r:blip="" zOrderOff="-999">
+                                    <dgm:adjLst/>
+                                  </dgm:shape>
+                                  <dgm:presOf axis="self"/>
+                                  <dgm:constrLst>
+                                    <dgm:constr type="begPad"/>
+                                    <dgm:constr type="endPad"/>
+                                  </dgm:constrLst>
+                                  <dgm:ruleLst/>
+                                </dgm:layoutNode>
+                              </dgm:forEach>
+                              <dgm:forEach name="Name27" axis="self" ptType="node">
+                                <dgm:layoutNode name="hierRoot4">
+                                  <dgm:alg type="hierRoot"/>
+                                  <dgm:shape xmlns:r="http://schemas.openxmlformats.org/officeDocument/2006/relationships" r:blip="">
+                                    <dgm:adjLst/>
+                                  </dgm:shape>
+                                  <dgm:presOf/>
+                                  <dgm:constrLst>
+                                    <dgm:constr type="bendDist" for="des" ptType="parTrans" refType="sp" fact="0.5"/>
+                                  </dgm:constrLst>
+                                  <dgm:ruleLst/>
+                                  <dgm:layoutNode name="composite4">
+                                    <dgm:alg type="composite"/>
+                                    <dgm:shape xmlns:r="http://schemas.openxmlformats.org/officeDocument/2006/relationships" r:blip="">
+                                      <dgm:adjLst/>
+                                    </dgm:shape>
+                                    <dgm:presOf/>
+                                    <dgm:constrLst>
+                                      <dgm:constr type="h" for="ch" forName="image4" refType="h" fact="0.8"/>
+                                      <dgm:constr type="w" for="ch" forName="image4" refType="h" refFor="ch" refForName="image4"/>
+                                      <dgm:constr type="t" for="ch" forName="image4" refType="h" fact="0.1"/>
+                                      <dgm:constr type="l" for="ch" forName="image4"/>
+                                      <dgm:constr type="w" for="ch" forName="text4" refType="w" fact="0.6"/>
+                                      <dgm:constr type="h" for="ch" forName="text4" refType="h" fact="0.8"/>
+                                      <dgm:constr type="t" for="ch" forName="text4" refType="w" fact="0.04"/>
+                                      <dgm:constr type="l" for="ch" forName="text4" refType="w" fact="0.4"/>
+                                    </dgm:constrLst>
+                                    <dgm:ruleLst/>
+                                    <dgm:layoutNode name="image4">
+                                      <dgm:alg type="sp"/>
+                                      <dgm:shape xmlns:r="http://schemas.openxmlformats.org/officeDocument/2006/relationships" type="ellipse" r:blip="" blipPhldr="1">
+                                        <dgm:adjLst/>
+                                      </dgm:shape>
+                                      <dgm:presOf/>
+                                      <dgm:constrLst/>
+                                      <dgm:ruleLst/>
+                                    </dgm:layoutNode>
+                                    <dgm:layoutNode name="text4" styleLbl="revTx">
+                                      <dgm:varLst>
+                                        <dgm:chPref val="3"/>
+                                      </dgm:varLst>
+                                      <dgm:alg type="tx">
+                                        <dgm:param type="parTxLTRAlign" val="l"/>
+                                        <dgm:param type="parTxRTLAlign" val="r"/>
+                                      </dgm:alg>
+                                      <dgm:shape xmlns:r="http://schemas.openxmlformats.org/officeDocument/2006/relationships" type="rect" r:blip="">
+                                        <dgm:adjLst/>
+                                      </dgm:shape>
+                                      <dgm:presOf axis="self"/>
+                                      <dgm:constrLst>
+                                        <dgm:constr type="tMarg" refType="primFontSz" fact="0.3"/>
+                                        <dgm:constr type="bMarg" refType="primFontSz" fact="0.3"/>
+                                        <dgm:constr type="lMarg" refType="primFontSz" fact="0.3"/>
+                                        <dgm:constr type="rMarg" refType="primFontSz" fact="0.3"/>
+                                      </dgm:constrLst>
+                                      <dgm:ruleLst>
+                                        <dgm:rule type="primFontSz" val="5" fact="NaN" max="NaN"/>
+                                      </dgm:ruleLst>
+                                    </dgm:layoutNode>
+                                  </dgm:layoutNode>
+                                  <dgm:layoutNode name="hierChild5">
+                                    <dgm:choose name="Name28">
+                                      <dgm:if name="Name29" func="var" arg="dir" op="equ" val="norm">
+                                        <dgm:alg type="hierChild">
+                                          <dgm:param type="linDir" val="fromL"/>
+                                        </dgm:alg>
+                                      </dgm:if>
+                                      <dgm:else name="Name30">
+                                        <dgm:alg type="hierChild">
+                                          <dgm:param type="linDir" val="fromR"/>
+                                        </dgm:alg>
+                                      </dgm:else>
+                                    </dgm:choose>
+                                    <dgm:shape xmlns:r="http://schemas.openxmlformats.org/officeDocument/2006/relationships" r:blip="">
+                                      <dgm:adjLst/>
+                                    </dgm:shape>
+                                    <dgm:presOf/>
+                                    <dgm:constrLst/>
+                                    <dgm:ruleLst/>
+                                    <dgm:forEach name="Name31" ref="repeat"/>
+                                  </dgm:layoutNode>
+                                </dgm:layoutNode>
+                              </dgm:forEach>
+                            </dgm:forEach>
+                          </dgm:layoutNode>
+                        </dgm:layoutNode>
+                      </dgm:forEach>
+                    </dgm:forEach>
+                  </dgm:layoutNode>
+                </dgm:layoutNode>
+              </dgm:forEach>
+            </dgm:forEach>
+          </dgm:layoutNode>
+        </dgm:layoutNode>
+      </dgm:forEach>
+    </dgm:forEach>
+  </dgm:layoutNode>
+</dgm:layoutDef>
+</file>
+
+<file path=ppt/diagrams/quickStyle1.xml><?xml version="1.0" encoding="utf-8"?>
+<dgm:styleDef xmlns:dgm="http://schemas.openxmlformats.org/drawingml/2006/diagram" xmlns:a="http://schemas.openxmlformats.org/drawingml/2006/main" uniqueId="urn:microsoft.com/office/officeart/2005/8/quickstyle/simple1">
+  <dgm:title val=""/>
+  <dgm:desc val=""/>
+  <dgm:catLst>
+    <dgm:cat type="simple" pri="10100"/>
+  </dgm:catLst>
+  <dgm:scene3d>
+    <a:camera prst="orthographicFront"/>
+    <a:lightRig rig="threePt" dir="t"/>
+  </dgm:scene3d>
+  <dgm:styleLbl name="node0">
+    <dgm:scene3d>
+      <a:camera prst="orthographicFront"/>
+      <a:lightRig rig="threePt" dir="t"/>
+    </dgm:scene3d>
+    <dgm:sp3d/>
+    <dgm:txPr/>
+    <dgm:style>
+      <a:lnRef idx="2">
+        <a:scrgbClr r="0" g="0" b="0"/>
+      </a:lnRef>
+      <a:fillRef idx="1">
+        <a:scrgbClr r="0" g="0" b="0"/>
+      </a:fillRef>
+      <a:effectRef idx="0">
+        <a:scrgbClr r="0" g="0" b="0"/>
+      </a:effectRef>
+      <a:fontRef idx="minor">
+        <a:schemeClr val="lt1"/>
+      </a:fontRef>
+    </dgm:style>
+  </dgm:styleLbl>
+  <dgm:styleLbl name="lnNode1">
+    <dgm:scene3d>
+      <a:camera prst="orthographicFront"/>
+      <a:lightRig rig="threePt" dir="t"/>
+    </dgm:scene3d>
+    <dgm:sp3d/>
+    <dgm:txPr/>
+    <dgm:style>
+      <a:lnRef idx="2">
+        <a:scrgbClr r="0" g="0" b="0"/>
+      </a:lnRef>
+      <a:fillRef idx="1">
+        <a:scrgbClr r="0" g="0" b="0"/>
+      </a:fillRef>
+      <a:effectRef idx="0">
+        <a:scrgbClr r="0" g="0" b="0"/>
+      </a:effectRef>
+      <a:fontRef idx="minor">
+        <a:schemeClr val="lt1"/>
+      </a:fontRef>
+    </dgm:style>
+  </dgm:styleLbl>
+  <dgm:styleLbl name="vennNode1">
+    <dgm:scene3d>
+      <a:camera prst="orthographicFront"/>
+      <a:lightRig rig="threePt" dir="t"/>
+    </dgm:scene3d>
+    <dgm:sp3d/>
+    <dgm:txPr/>
+    <dgm:style>
+      <a:lnRef idx="2">
+        <a:scrgbClr r="0" g="0" b="0"/>
+      </a:lnRef>
+      <a:fillRef idx="1">
+        <a:scrgbClr r="0" g="0" b="0"/>
+      </a:fillRef>
+      <a:effectRef idx="0">
+        <a:scrgbClr r="0" g="0" b="0"/>
+      </a:effectRef>
+      <a:fontRef idx="minor">
+        <a:schemeClr val="tx1"/>
+      </a:fontRef>
+    </dgm:style>
+  </dgm:styleLbl>
+  <dgm:styleLbl name="alignNode1">
+    <dgm:scene3d>
+      <a:camera prst="orthographicFront"/>
+      <a:lightRig rig="threePt" dir="t"/>
+    </dgm:scene3d>
+    <dgm:sp3d/>
+    <dgm:txPr/>
+    <dgm:style>
+      <a:lnRef idx="2">
+        <a:scrgbClr r="0" g="0" b="0"/>
+      </a:lnRef>
+      <a:fillRef idx="1">
+        <a:scrgbClr r="0" g="0" b="0"/>
+      </a:fillRef>
+      <a:effectRef idx="0">
+        <a:scrgbClr r="0" g="0" b="0"/>
+      </a:effectRef>
+      <a:fontRef idx="minor">
+        <a:schemeClr val="lt1"/>
+      </a:fontRef>
+    </dgm:style>
+  </dgm:styleLbl>
+  <dgm:styleLbl name="node1">
+    <dgm:scene3d>
+      <a:camera prst="orthographicFront"/>
+      <a:lightRig rig="threePt" dir="t"/>
+    </dgm:scene3d>
+    <dgm:sp3d/>
+    <dgm:txPr/>
+    <dgm:style>
+      <a:lnRef idx="2">
+        <a:scrgbClr r="0" g="0" b="0"/>
+      </a:lnRef>
+      <a:fillRef idx="1">
+        <a:scrgbClr r="0" g="0" b="0"/>
+      </a:fillRef>
+      <a:effectRef idx="0">
+        <a:scrgbClr r="0" g="0" b="0"/>
+      </a:effectRef>
+      <a:fontRef idx="minor">
+        <a:schemeClr val="lt1"/>
+      </a:fontRef>
+    </dgm:style>
+  </dgm:styleLbl>
+  <dgm:styleLbl name="node2">
+    <dgm:scene3d>
+      <a:camera prst="orthographicFront"/>
+      <a:lightRig rig="threePt" dir="t"/>
+    </dgm:scene3d>
+    <dgm:sp3d/>
+    <dgm:txPr/>
+    <dgm:style>
+      <a:lnRef idx="2">
+        <a:scrgbClr r="0" g="0" b="0"/>
+      </a:lnRef>
+      <a:fillRef idx="1">
+        <a:scrgbClr r="0" g="0" b="0"/>
+      </a:fillRef>
+      <a:effectRef idx="0">
+        <a:scrgbClr r="0" g="0" b="0"/>
+      </a:effectRef>
+      <a:fontRef idx="minor">
+        <a:schemeClr val="lt1"/>
+      </a:fontRef>
+    </dgm:style>
+  </dgm:styleLbl>
+  <dgm:styleLbl name="node3">
+    <dgm:scene3d>
+      <a:camera prst="orthographicFront"/>
+      <a:lightRig rig="threePt" dir="t"/>
+    </dgm:scene3d>
+    <dgm:sp3d/>
+    <dgm:txPr/>
+    <dgm:style>
+      <a:lnRef idx="2">
+        <a:scrgbClr r="0" g="0" b="0"/>
+      </a:lnRef>
+      <a:fillRef idx="1">
+        <a:scrgbClr r="0" g="0" b="0"/>
+      </a:fillRef>
+      <a:effectRef idx="0">
+        <a:scrgbClr r="0" g="0" b="0"/>
+      </a:effectRef>
+      <a:fontRef idx="minor">
+        <a:schemeClr val="lt1"/>
+      </a:fontRef>
+    </dgm:style>
+  </dgm:styleLbl>
+  <dgm:styleLbl name="node4">
+    <dgm:scene3d>
+      <a:camera prst="orthographicFront"/>
+      <a:lightRig rig="threePt" dir="t"/>
+    </dgm:scene3d>
+    <dgm:sp3d/>
+    <dgm:txPr/>
+    <dgm:style>
+      <a:lnRef idx="2">
+        <a:scrgbClr r="0" g="0" b="0"/>
+      </a:lnRef>
+      <a:fillRef idx="1">
+        <a:scrgbClr r="0" g="0" b="0"/>
+      </a:fillRef>
+      <a:effectRef idx="0">
+        <a:scrgbClr r="0" g="0" b="0"/>
+      </a:effectRef>
+      <a:fontRef idx="minor">
+        <a:schemeClr val="lt1"/>
+      </a:fontRef>
+    </dgm:style>
+  </dgm:styleLbl>
+  <dgm:styleLbl name="fgImgPlace1">
+    <dgm:scene3d>
+      <a:camera prst="orthographicFront"/>
+      <a:lightRig rig="threePt" dir="t"/>
+    </dgm:scene3d>
+    <dgm:sp3d/>
+    <dgm:txPr/>
+    <dgm:style>
+      <a:lnRef idx="2">
+        <a:scrgbClr r="0" g="0" b="0"/>
+      </a:lnRef>
+      <a:fillRef idx="1">
+        <a:scrgbClr r="0" g="0" b="0"/>
+      </a:fillRef>
+      <a:effectRef idx="0">
+        <a:scrgbClr r="0" g="0" b="0"/>
+      </a:effectRef>
+      <a:fontRef idx="minor"/>
+    </dgm:style>
+  </dgm:styleLbl>
+  <dgm:styleLbl name="alignImgPlace1">
+    <dgm:scene3d>
+      <a:camera prst="orthographicFront"/>
+      <a:lightRig rig="threePt" dir="t"/>
+    </dgm:scene3d>
+    <dgm:sp3d/>
+    <dgm:txPr/>
+    <dgm:style>
+      <a:lnRef idx="2">
+        <a:scrgbClr r="0" g="0" b="0"/>
+      </a:lnRef>
+      <a:fillRef idx="1">
+        <a:scrgbClr r="0" g="0" b="0"/>
+      </a:fillRef>
+      <a:effectRef idx="0">
+        <a:scrgbClr r="0" g="0" b="0"/>
+      </a:effectRef>
+      <a:fontRef idx="minor"/>
+    </dgm:style>
+  </dgm:styleLbl>
+  <dgm:styleLbl name="bgImgPlace1">
+    <dgm:scene3d>
+      <a:camera prst="orthographicFront"/>
+      <a:lightRig rig="threePt" dir="t"/>
+    </dgm:scene3d>
+    <dgm:sp3d/>
+    <dgm:txPr/>
+    <dgm:style>
+      <a:lnRef idx="2">
+        <a:scrgbClr r="0" g="0" b="0"/>
+      </a:lnRef>
+      <a:fillRef idx="1">
+        <a:scrgbClr r="0" g="0" b="0"/>
+      </a:fillRef>
+      <a:effectRef idx="0">
+        <a:scrgbClr r="0" g="0" b="0"/>
+      </a:effectRef>
+      <a:fontRef idx="minor"/>
+    </dgm:style>
+  </dgm:styleLbl>
+  <dgm:styleLbl name="sibTrans2D1">
+    <dgm:scene3d>
+      <a:camera prst="orthographicFront"/>
+      <a:lightRig rig="threePt" dir="t"/>
+    </dgm:scene3d>
+    <dgm:sp3d/>
+    <dgm:txPr/>
+    <dgm:style>
+      <a:lnRef idx="0">
+        <a:scrgbClr r="0" g="0" b="0"/>
+      </a:lnRef>
+      <a:fillRef idx="1">
+        <a:scrgbClr r="0" g="0" b="0"/>
+      </a:fillRef>
+      <a:effectRef idx="0">
+        <a:scrgbClr r="0" g="0" b="0"/>
+      </a:effectRef>
+      <a:fontRef idx="minor">
+        <a:schemeClr val="lt1"/>
+      </a:fontRef>
+    </dgm:style>
+  </dgm:styleLbl>
+  <dgm:styleLbl name="fgSibTrans2D1">
+    <dgm:scene3d>
+      <a:camera prst="orthographicFront"/>
+      <a:lightRig rig="threePt" dir="t"/>
+    </dgm:scene3d>
+    <dgm:sp3d/>
+    <dgm:txPr/>
+    <dgm:style>
+      <a:lnRef idx="0">
+        <a:scrgbClr r="0" g="0" b="0"/>
+      </a:lnRef>
+      <a:fillRef idx="1">
+        <a:scrgbClr r="0" g="0" b="0"/>
+      </a:fillRef>
+      <a:effectRef idx="0">
+        <a:scrgbClr r="0" g="0" b="0"/>
+      </a:effectRef>
+      <a:fontRef idx="minor">
+        <a:schemeClr val="lt1"/>
+      </a:fontRef>
+    </dgm:style>
+  </dgm:styleLbl>
+  <dgm:styleLbl name="bgSibTrans2D1">
+    <dgm:scene3d>
+      <a:camera prst="orthographicFront"/>
+      <a:lightRig rig="threePt" dir="t"/>
+    </dgm:scene3d>
+    <dgm:sp3d/>
+    <dgm:txPr/>
+    <dgm:style>
+      <a:lnRef idx="0">
+        <a:scrgbClr r="0" g="0" b="0"/>
+      </a:lnRef>
+      <a:fillRef idx="1">
+        <a:scrgbClr r="0" g="0" b="0"/>
+      </a:fillRef>
+      <a:effectRef idx="0">
+        <a:scrgbClr r="0" g="0" b="0"/>
+      </a:effectRef>
+      <a:fontRef idx="minor">
+        <a:schemeClr val="lt1"/>
+      </a:fontRef>
+    </dgm:style>
+  </dgm:styleLbl>
+  <dgm:styleLbl name="sibTrans1D1">
+    <dgm:scene3d>
+      <a:camera prst="orthographicFront"/>
+      <a:lightRig rig="threePt" dir="t"/>
+    </dgm:scene3d>
+    <dgm:sp3d/>
+    <dgm:txPr/>
+    <dgm:style>
+      <a:lnRef idx="1">
+        <a:scrgbClr r="0" g="0" b="0"/>
+      </a:lnRef>
+      <a:fillRef idx="0">
+        <a:scrgbClr r="0" g="0" b="0"/>
+      </a:fillRef>
+      <a:effectRef idx="0">
+        <a:scrgbClr r="0" g="0" b="0"/>
+      </a:effectRef>
+      <a:fontRef idx="minor"/>
+    </dgm:style>
+  </dgm:styleLbl>
+  <dgm:styleLbl name="callout">
+    <dgm:scene3d>
+      <a:camera prst="orthographicFront"/>
+      <a:lightRig rig="threePt" dir="t"/>
+    </dgm:scene3d>
+    <dgm:sp3d/>
+    <dgm:txPr/>
+    <dgm:style>
+      <a:lnRef idx="2">
+        <a:scrgbClr r="0" g="0" b="0"/>
+      </a:lnRef>
+      <a:fillRef idx="1">
+        <a:scrgbClr r="0" g="0" b="0"/>
+      </a:fillRef>
+      <a:effectRef idx="0">
+        <a:scrgbClr r="0" g="0" b="0"/>
+      </a:effectRef>
+      <a:fontRef idx="minor"/>
+    </dgm:style>
+  </dgm:styleLbl>
+  <dgm:styleLbl name="asst0">
+    <dgm:scene3d>
+      <a:camera prst="orthographicFront"/>
+      <a:lightRig rig="threePt" dir="t"/>
+    </dgm:scene3d>
+    <dgm:sp3d/>
+    <dgm:txPr/>
+    <dgm:style>
+      <a:lnRef idx="2">
+        <a:scrgbClr r="0" g="0" b="0"/>
+      </a:lnRef>
+      <a:fillRef idx="1">
+        <a:scrgbClr r="0" g="0" b="0"/>
+      </a:fillRef>
+      <a:effectRef idx="0">
+        <a:scrgbClr r="0" g="0" b="0"/>
+      </a:effectRef>
+      <a:fontRef idx="minor">
+        <a:schemeClr val="lt1"/>
+      </a:fontRef>
+    </dgm:style>
+  </dgm:styleLbl>
+  <dgm:styleLbl name="asst1">
+    <dgm:scene3d>
+      <a:camera prst="orthographicFront"/>
+      <a:lightRig rig="threePt" dir="t"/>
+    </dgm:scene3d>
+    <dgm:sp3d/>
+    <dgm:txPr/>
+    <dgm:style>
+      <a:lnRef idx="2">
+        <a:scrgbClr r="0" g="0" b="0"/>
+      </a:lnRef>
+      <a:fillRef idx="1">
+        <a:scrgbClr r="0" g="0" b="0"/>
+      </a:fillRef>
+      <a:effectRef idx="0">
+        <a:scrgbClr r="0" g="0" b="0"/>
+      </a:effectRef>
+      <a:fontRef idx="minor">
+        <a:schemeClr val="lt1"/>
+      </a:fontRef>
+    </dgm:style>
+  </dgm:styleLbl>
+  <dgm:styleLbl name="asst2">
+    <dgm:scene3d>
+      <a:camera prst="orthographicFront"/>
+      <a:lightRig rig="threePt" dir="t"/>
+    </dgm:scene3d>
+    <dgm:sp3d/>
+    <dgm:txPr/>
+    <dgm:style>
+      <a:lnRef idx="2">
+        <a:scrgbClr r="0" g="0" b="0"/>
+      </a:lnRef>
+      <a:fillRef idx="1">
+        <a:scrgbClr r="0" g="0" b="0"/>
+      </a:fillRef>
+      <a:effectRef idx="0">
+        <a:scrgbClr r="0" g="0" b="0"/>
+      </a:effectRef>
+      <a:fontRef idx="minor">
+        <a:schemeClr val="lt1"/>
+      </a:fontRef>
+    </dgm:style>
+  </dgm:styleLbl>
+  <dgm:styleLbl name="asst3">
+    <dgm:scene3d>
+      <a:camera prst="orthographicFront"/>
+      <a:lightRig rig="threePt" dir="t"/>
+    </dgm:scene3d>
+    <dgm:sp3d/>
+    <dgm:txPr/>
+    <dgm:style>
+      <a:lnRef idx="2">
+        <a:scrgbClr r="0" g="0" b="0"/>
+      </a:lnRef>
+      <a:fillRef idx="1">
+        <a:scrgbClr r="0" g="0" b="0"/>
+      </a:fillRef>
+      <a:effectRef idx="0">
+        <a:scrgbClr r="0" g="0" b="0"/>
+      </a:effectRef>
+      <a:fontRef idx="minor">
+        <a:schemeClr val="lt1"/>
+      </a:fontRef>
+    </dgm:style>
+  </dgm:styleLbl>
+  <dgm:styleLbl name="asst4">
+    <dgm:scene3d>
+      <a:camera prst="orthographicFront"/>
+      <a:lightRig rig="threePt" dir="t"/>
+    </dgm:scene3d>
+    <dgm:sp3d/>
+    <dgm:txPr/>
+    <dgm:style>
+      <a:lnRef idx="2">
+        <a:scrgbClr r="0" g="0" b="0"/>
+      </a:lnRef>
+      <a:fillRef idx="1">
+        <a:scrgbClr r="0" g="0" b="0"/>
+      </a:fillRef>
+      <a:effectRef idx="0">
+        <a:scrgbClr r="0" g="0" b="0"/>
+      </a:effectRef>
+      <a:fontRef idx="minor">
+        <a:schemeClr val="lt1"/>
+      </a:fontRef>
+    </dgm:style>
+  </dgm:styleLbl>
+  <dgm:styleLbl name="parChTrans2D1">
+    <dgm:scene3d>
+      <a:camera prst="orthographicFront"/>
+      <a:lightRig rig="threePt" dir="t"/>
+    </dgm:scene3d>
+    <dgm:sp3d/>
+    <dgm:txPr/>
+    <dgm:style>
+      <a:lnRef idx="2">
+        <a:scrgbClr r="0" g="0" b="0"/>
+      </a:lnRef>
+      <a:fillRef idx="1">
+        <a:scrgbClr r="0" g="0" b="0"/>
+      </a:fillRef>
+      <a:effectRef idx="0">
+        <a:scrgbClr r="0" g="0" b="0"/>
+      </a:effectRef>
+      <a:fontRef idx="minor">
+        <a:schemeClr val="lt1"/>
+      </a:fontRef>
+    </dgm:style>
+  </dgm:styleLbl>
+  <dgm:styleLbl name="parChTrans2D2">
+    <dgm:scene3d>
+      <a:camera prst="orthographicFront"/>
+      <a:lightRig rig="threePt" dir="t"/>
+    </dgm:scene3d>
+    <dgm:sp3d/>
+    <dgm:txPr/>
+    <dgm:style>
+      <a:lnRef idx="2">
+        <a:scrgbClr r="0" g="0" b="0"/>
+      </a:lnRef>
+      <a:fillRef idx="1">
+        <a:scrgbClr r="0" g="0" b="0"/>
+      </a:fillRef>
+      <a:effectRef idx="0">
+        <a:scrgbClr r="0" g="0" b="0"/>
+      </a:effectRef>
+      <a:fontRef idx="minor">
+        <a:schemeClr val="lt1"/>
+      </a:fontRef>
+    </dgm:style>
+  </dgm:styleLbl>
+  <dgm:styleLbl name="parChTrans2D3">
+    <dgm:scene3d>
+      <a:camera prst="orthographicFront"/>
+      <a:lightRig rig="threePt" dir="t"/>
+    </dgm:scene3d>
+    <dgm:sp3d/>
+    <dgm:txPr/>
+    <dgm:style>
+      <a:lnRef idx="2">
+        <a:scrgbClr r="0" g="0" b="0"/>
+      </a:lnRef>
+      <a:fillRef idx="1">
+        <a:scrgbClr r="0" g="0" b="0"/>
+      </a:fillRef>
+      <a:effectRef idx="0">
+        <a:scrgbClr r="0" g="0" b="0"/>
+      </a:effectRef>
+      <a:fontRef idx="minor">
+        <a:schemeClr val="lt1"/>
+      </a:fontRef>
+    </dgm:style>
+  </dgm:styleLbl>
+  <dgm:styleLbl name="parChTrans2D4">
+    <dgm:scene3d>
+      <a:camera prst="orthographicFront"/>
+      <a:lightRig rig="threePt" dir="t"/>
+    </dgm:scene3d>
+    <dgm:sp3d/>
+    <dgm:txPr/>
+    <dgm:style>
+      <a:lnRef idx="2">
+        <a:scrgbClr r="0" g="0" b="0"/>
+      </a:lnRef>
+      <a:fillRef idx="1">
+        <a:scrgbClr r="0" g="0" b="0"/>
+      </a:fillRef>
+      <a:effectRef idx="0">
+        <a:scrgbClr r="0" g="0" b="0"/>
+      </a:effectRef>
+      <a:fontRef idx="minor">
+        <a:schemeClr val="lt1"/>
+      </a:fontRef>
+    </dgm:style>
+  </dgm:styleLbl>
+  <dgm:styleLbl name="parChTrans1D1">
+    <dgm:scene3d>
+      <a:camera prst="orthographicFront"/>
+      <a:lightRig rig="threePt" dir="t"/>
+    </dgm:scene3d>
+    <dgm:sp3d/>
+    <dgm:txPr/>
+    <dgm:style>
+      <a:lnRef idx="2">
+        <a:scrgbClr r="0" g="0" b="0"/>
+      </a:lnRef>
+      <a:fillRef idx="0">
+        <a:scrgbClr r="0" g="0" b="0"/>
+      </a:fillRef>
+      <a:effectRef idx="0">
+        <a:scrgbClr r="0" g="0" b="0"/>
+      </a:effectRef>
+      <a:fontRef idx="minor"/>
+    </dgm:style>
+  </dgm:styleLbl>
+  <dgm:styleLbl name="parChTrans1D2">
+    <dgm:scene3d>
+      <a:camera prst="orthographicFront"/>
+      <a:lightRig rig="threePt" dir="t"/>
+    </dgm:scene3d>
+    <dgm:sp3d/>
+    <dgm:txPr/>
+    <dgm:style>
+      <a:lnRef idx="2">
+        <a:scrgbClr r="0" g="0" b="0"/>
+      </a:lnRef>
+      <a:fillRef idx="0">
+        <a:scrgbClr r="0" g="0" b="0"/>
+      </a:fillRef>
+      <a:effectRef idx="0">
+        <a:scrgbClr r="0" g="0" b="0"/>
+      </a:effectRef>
+      <a:fontRef idx="minor"/>
+    </dgm:style>
+  </dgm:styleLbl>
+  <dgm:styleLbl name="parChTrans1D3">
+    <dgm:scene3d>
+      <a:camera prst="orthographicFront"/>
+      <a:lightRig rig="threePt" dir="t"/>
+    </dgm:scene3d>
+    <dgm:sp3d/>
+    <dgm:txPr/>
+    <dgm:style>
+      <a:lnRef idx="2">
+        <a:scrgbClr r="0" g="0" b="0"/>
+      </a:lnRef>
+      <a:fillRef idx="0">
+        <a:scrgbClr r="0" g="0" b="0"/>
+      </a:fillRef>
+      <a:effectRef idx="0">
+        <a:scrgbClr r="0" g="0" b="0"/>
+      </a:effectRef>
+      <a:fontRef idx="minor"/>
+    </dgm:style>
+  </dgm:styleLbl>
+  <dgm:styleLbl name="parChTrans1D4">
+    <dgm:scene3d>
+      <a:camera prst="orthographicFront"/>
+      <a:lightRig rig="threePt" dir="t"/>
+    </dgm:scene3d>
+    <dgm:sp3d/>
+    <dgm:txPr/>
+    <dgm:style>
+      <a:lnRef idx="2">
+        <a:scrgbClr r="0" g="0" b="0"/>
+      </a:lnRef>
+      <a:fillRef idx="0">
+        <a:scrgbClr r="0" g="0" b="0"/>
+      </a:fillRef>
+      <a:effectRef idx="0">
+        <a:scrgbClr r="0" g="0" b="0"/>
+      </a:effectRef>
+      <a:fontRef idx="minor"/>
+    </dgm:style>
+  </dgm:styleLbl>
+  <dgm:styleLbl name="fgAcc1">
+    <dgm:scene3d>
+      <a:camera prst="orthographicFront"/>
+      <a:lightRig rig="threePt" dir="t"/>
+    </dgm:scene3d>
+    <dgm:sp3d/>
+    <dgm:txPr/>
+    <dgm:style>
+      <a:lnRef idx="2">
+        <a:scrgbClr r="0" g="0" b="0"/>
+      </a:lnRef>
+      <a:fillRef idx="1">
+        <a:scrgbClr r="0" g="0" b="0"/>
+      </a:fillRef>
+      <a:effectRef idx="0">
+        <a:scrgbClr r="0" g="0" b="0"/>
+      </a:effectRef>
+      <a:fontRef idx="minor"/>
+    </dgm:style>
+  </dgm:styleLbl>
+  <dgm:styleLbl name="conFgAcc1">
+    <dgm:scene3d>
+      <a:camera prst="orthographicFront"/>
+      <a:lightRig rig="threePt" dir="t"/>
+    </dgm:scene3d>
+    <dgm:sp3d/>
+    <dgm:txPr/>
+    <dgm:style>
+      <a:lnRef idx="2">
+        <a:scrgbClr r="0" g="0" b="0"/>
+      </a:lnRef>
+      <a:fillRef idx="1">
+        <a:scrgbClr r="0" g="0" b="0"/>
+      </a:fillRef>
+      <a:effectRef idx="0">
+        <a:scrgbClr r="0" g="0" b="0"/>
+      </a:effectRef>
+      <a:fontRef idx="minor"/>
+    </dgm:style>
+  </dgm:styleLbl>
+  <dgm:styleLbl name="alignAcc1">
+    <dgm:scene3d>
+      <a:camera prst="orthographicFront"/>
+      <a:lightRig rig="threePt" dir="t"/>
+    </dgm:scene3d>
+    <dgm:sp3d/>
+    <dgm:txPr/>
+    <dgm:style>
+      <a:lnRef idx="2">
+        <a:scrgbClr r="0" g="0" b="0"/>
+      </a:lnRef>
+      <a:fillRef idx="1">
+        <a:scrgbClr r="0" g="0" b="0"/>
+      </a:fillRef>
+      <a:effectRef idx="0">
+        <a:scrgbClr r="0" g="0" b="0"/>
+      </a:effectRef>
+      <a:fontRef idx="minor"/>
+    </dgm:style>
+  </dgm:styleLbl>
+  <dgm:styleLbl name="trAlignAcc1">
+    <dgm:scene3d>
+      <a:camera prst="orthographicFront"/>
+      <a:lightRig rig="threePt" dir="t"/>
+    </dgm:scene3d>
+    <dgm:sp3d/>
+    <dgm:txPr/>
+    <dgm:style>
+      <a:lnRef idx="1">
+        <a:scrgbClr r="0" g="0" b="0"/>
+      </a:lnRef>
+      <a:fillRef idx="1">
+        <a:scrgbClr r="0" g="0" b="0"/>
+      </a:fillRef>
+      <a:effectRef idx="0">
+        <a:scrgbClr r="0" g="0" b="0"/>
+      </a:effectRef>
+      <a:fontRef idx="minor"/>
+    </dgm:style>
+  </dgm:styleLbl>
+  <dgm:styleLbl name="bgAcc1">
+    <dgm:scene3d>
+      <a:camera prst="orthographicFront"/>
+      <a:lightRig rig="threePt" dir="t"/>
+    </dgm:scene3d>
+    <dgm:sp3d/>
+    <dgm:txPr/>
+    <dgm:style>
+      <a:lnRef idx="2">
+        <a:scrgbClr r="0" g="0" b="0"/>
+      </a:lnRef>
+      <a:fillRef idx="1">
+        <a:scrgbClr r="0" g="0" b="0"/>
+      </a:fillRef>
+      <a:effectRef idx="0">
+        <a:scrgbClr r="0" g="0" b="0"/>
+      </a:effectRef>
+      <a:fontRef idx="minor"/>
+    </dgm:style>
+  </dgm:styleLbl>
+  <dgm:styleLbl name="solidFgAcc1">
+    <dgm:scene3d>
+      <a:camera prst="orthographicFront"/>
+      <a:lightRig rig="threePt" dir="t"/>
+    </dgm:scene3d>
+    <dgm:sp3d/>
+    <dgm:txPr/>
+    <dgm:style>
+      <a:lnRef idx="2">
+        <a:scrgbClr r="0" g="0" b="0"/>
+      </a:lnRef>
+      <a:fillRef idx="1">
+        <a:scrgbClr r="0" g="0" b="0"/>
+      </a:fillRef>
+      <a:effectRef idx="0">
+        <a:scrgbClr r="0" g="0" b="0"/>
+      </a:effectRef>
+      <a:fontRef idx="minor"/>
+    </dgm:style>
+  </dgm:styleLbl>
+  <dgm:styleLbl name="solidAlignAcc1">
+    <dgm:scene3d>
+      <a:camera prst="orthographicFront"/>
+      <a:lightRig rig="threePt" dir="t"/>
+    </dgm:scene3d>
+    <dgm:sp3d/>
+    <dgm:txPr/>
+    <dgm:style>
+      <a:lnRef idx="2">
+        <a:scrgbClr r="0" g="0" b="0"/>
+      </a:lnRef>
+      <a:fillRef idx="1">
+        <a:scrgbClr r="0" g="0" b="0"/>
+      </a:fillRef>
+      <a:effectRef idx="0">
+        <a:scrgbClr r="0" g="0" b="0"/>
+      </a:effectRef>
+      <a:fontRef idx="minor"/>
+    </dgm:style>
+  </dgm:styleLbl>
+  <dgm:styleLbl name="solidBgAcc1">
+    <dgm:scene3d>
+      <a:camera prst="orthographicFront"/>
+      <a:lightRig rig="threePt" dir="t"/>
+    </dgm:scene3d>
+    <dgm:sp3d/>
+    <dgm:txPr/>
+    <dgm:style>
+      <a:lnRef idx="2">
+        <a:scrgbClr r="0" g="0" b="0"/>
+      </a:lnRef>
+      <a:fillRef idx="1">
+        <a:scrgbClr r="0" g="0" b="0"/>
+      </a:fillRef>
+      <a:effectRef idx="0">
+        <a:scrgbClr r="0" g="0" b="0"/>
+      </a:effectRef>
+      <a:fontRef idx="minor"/>
+    </dgm:style>
+  </dgm:styleLbl>
+  <dgm:styleLbl name="fgAccFollowNode1">
+    <dgm:scene3d>
+      <a:camera prst="orthographicFront"/>
+      <a:lightRig rig="threePt" dir="t"/>
+    </dgm:scene3d>
+    <dgm:sp3d/>
+    <dgm:txPr/>
+    <dgm:style>
+      <a:lnRef idx="2">
+        <a:scrgbClr r="0" g="0" b="0"/>
+      </a:lnRef>
+      <a:fillRef idx="1">
+        <a:scrgbClr r="0" g="0" b="0"/>
+      </a:fillRef>
+      <a:effectRef idx="0">
+        <a:scrgbClr r="0" g="0" b="0"/>
+      </a:effectRef>
+      <a:fontRef idx="minor"/>
+    </dgm:style>
+  </dgm:styleLbl>
+  <dgm:styleLbl name="alignAccFollowNode1">
+    <dgm:scene3d>
+      <a:camera prst="orthographicFront"/>
+      <a:lightRig rig="threePt" dir="t"/>
+    </dgm:scene3d>
+    <dgm:sp3d/>
+    <dgm:txPr/>
+    <dgm:style>
+      <a:lnRef idx="2">
+        <a:scrgbClr r="0" g="0" b="0"/>
+      </a:lnRef>
+      <a:fillRef idx="1">
+        <a:scrgbClr r="0" g="0" b="0"/>
+      </a:fillRef>
+      <a:effectRef idx="0">
+        <a:scrgbClr r="0" g="0" b="0"/>
+      </a:effectRef>
+      <a:fontRef idx="minor"/>
+    </dgm:style>
+  </dgm:styleLbl>
+  <dgm:styleLbl name="bgAccFollowNode1">
+    <dgm:scene3d>
+      <a:camera prst="orthographicFront"/>
+      <a:lightRig rig="threePt" dir="t"/>
+    </dgm:scene3d>
+    <dgm:sp3d/>
+    <dgm:txPr/>
+    <dgm:style>
+      <a:lnRef idx="2">
+        <a:scrgbClr r="0" g="0" b="0"/>
+      </a:lnRef>
+      <a:fillRef idx="1">
+        <a:scrgbClr r="0" g="0" b="0"/>
+      </a:fillRef>
+      <a:effectRef idx="0">
+        <a:scrgbClr r="0" g="0" b="0"/>
+      </a:effectRef>
+      <a:fontRef idx="minor"/>
+    </dgm:style>
+  </dgm:styleLbl>
+  <dgm:styleLbl name="fgAcc0">
+    <dgm:scene3d>
+      <a:camera prst="orthographicFront"/>
+      <a:lightRig rig="threePt" dir="t"/>
+    </dgm:scene3d>
+    <dgm:sp3d/>
+    <dgm:txPr/>
+    <dgm:style>
+      <a:lnRef idx="2">
+        <a:scrgbClr r="0" g="0" b="0"/>
+      </a:lnRef>
+      <a:fillRef idx="1">
+        <a:scrgbClr r="0" g="0" b="0"/>
+      </a:fillRef>
+      <a:effectRef idx="0">
+        <a:scrgbClr r="0" g="0" b="0"/>
+      </a:effectRef>
+      <a:fontRef idx="minor"/>
+    </dgm:style>
+  </dgm:styleLbl>
+  <dgm:styleLbl name="fgAcc2">
+    <dgm:scene3d>
+      <a:camera prst="orthographicFront"/>
+      <a:lightRig rig="threePt" dir="t"/>
+    </dgm:scene3d>
+    <dgm:sp3d/>
+    <dgm:txPr/>
+    <dgm:style>
+      <a:lnRef idx="2">
+        <a:scrgbClr r="0" g="0" b="0"/>
+      </a:lnRef>
+      <a:fillRef idx="1">
+        <a:scrgbClr r="0" g="0" b="0"/>
+      </a:fillRef>
+      <a:effectRef idx="0">
+        <a:scrgbClr r="0" g="0" b="0"/>
+      </a:effectRef>
+      <a:fontRef idx="minor"/>
+    </dgm:style>
+  </dgm:styleLbl>
+  <dgm:styleLbl name="fgAcc3">
+    <dgm:scene3d>
+      <a:camera prst="orthographicFront"/>
+      <a:lightRig rig="threePt" dir="t"/>
+    </dgm:scene3d>
+    <dgm:sp3d/>
+    <dgm:txPr/>
+    <dgm:style>
+      <a:lnRef idx="2">
+        <a:scrgbClr r="0" g="0" b="0"/>
+      </a:lnRef>
+      <a:fillRef idx="1">
+        <a:scrgbClr r="0" g="0" b="0"/>
+      </a:fillRef>
+      <a:effectRef idx="0">
+        <a:scrgbClr r="0" g="0" b="0"/>
+      </a:effectRef>
+      <a:fontRef idx="minor"/>
+    </dgm:style>
+  </dgm:styleLbl>
+  <dgm:styleLbl name="fgAcc4">
+    <dgm:scene3d>
+      <a:camera prst="orthographicFront"/>
+      <a:lightRig rig="threePt" dir="t"/>
+    </dgm:scene3d>
+    <dgm:sp3d/>
+    <dgm:txPr/>
+    <dgm:style>
+      <a:lnRef idx="2">
+        <a:scrgbClr r="0" g="0" b="0"/>
+      </a:lnRef>
+      <a:fillRef idx="1">
+        <a:scrgbClr r="0" g="0" b="0"/>
+      </a:fillRef>
+      <a:effectRef idx="0">
+        <a:scrgbClr r="0" g="0" b="0"/>
+      </a:effectRef>
+      <a:fontRef idx="minor"/>
+    </dgm:style>
+  </dgm:styleLbl>
+  <dgm:styleLbl name="bgShp">
+    <dgm:scene3d>
+      <a:camera prst="orthographicFront"/>
+      <a:lightRig rig="threePt" dir="t"/>
+    </dgm:scene3d>
+    <dgm:sp3d/>
+    <dgm:txPr/>
+    <dgm:style>
+      <a:lnRef idx="0">
+        <a:scrgbClr r="0" g="0" b="0"/>
+      </a:lnRef>
+      <a:fillRef idx="1">
+        <a:scrgbClr r="0" g="0" b="0"/>
+      </a:fillRef>
+      <a:effectRef idx="0">
+        <a:scrgbClr r="0" g="0" b="0"/>
+      </a:effectRef>
+      <a:fontRef idx="minor"/>
+    </dgm:style>
+  </dgm:styleLbl>
+  <dgm:styleLbl name="dkBgShp">
+    <dgm:scene3d>
+      <a:camera prst="orthographicFront"/>
+      <a:lightRig rig="threePt" dir="t"/>
+    </dgm:scene3d>
+    <dgm:sp3d/>
+    <dgm:txPr/>
+    <dgm:style>
+      <a:lnRef idx="0">
+        <a:scrgbClr r="0" g="0" b="0"/>
+      </a:lnRef>
+      <a:fillRef idx="1">
+        <a:scrgbClr r="0" g="0" b="0"/>
+      </a:fillRef>
+      <a:effectRef idx="0">
+        <a:scrgbClr r="0" g="0" b="0"/>
+      </a:effectRef>
+      <a:fontRef idx="minor"/>
+    </dgm:style>
+  </dgm:styleLbl>
+  <dgm:styleLbl name="trBgShp">
+    <dgm:scene3d>
+      <a:camera prst="orthographicFront"/>
+      <a:lightRig rig="threePt" dir="t"/>
+    </dgm:scene3d>
+    <dgm:sp3d/>
+    <dgm:txPr/>
+    <dgm:style>
+      <a:lnRef idx="0">
+        <a:scrgbClr r="0" g="0" b="0"/>
+      </a:lnRef>
+      <a:fillRef idx="1">
+        <a:scrgbClr r="0" g="0" b="0"/>
+      </a:fillRef>
+      <a:effectRef idx="0">
+        <a:scrgbClr r="0" g="0" b="0"/>
+      </a:effectRef>
+      <a:fontRef idx="minor"/>
+    </dgm:style>
+  </dgm:styleLbl>
+  <dgm:styleLbl name="fgShp">
+    <dgm:scene3d>
+      <a:camera prst="orthographicFront"/>
+      <a:lightRig rig="threePt" dir="t"/>
+    </dgm:scene3d>
+    <dgm:sp3d/>
+    <dgm:txPr/>
+    <dgm:style>
+      <a:lnRef idx="2">
+        <a:scrgbClr r="0" g="0" b="0"/>
+      </a:lnRef>
+      <a:fillRef idx="1">
+        <a:scrgbClr r="0" g="0" b="0"/>
+      </a:fillRef>
+      <a:effectRef idx="0">
+        <a:scrgbClr r="0" g="0" b="0"/>
+      </a:effectRef>
+      <a:fontRef idx="minor"/>
+    </dgm:style>
+  </dgm:styleLbl>
+  <dgm:styleLbl name="revTx">
+    <dgm:scene3d>
+      <a:camera prst="orthographicFront"/>
+      <a:lightRig rig="threePt" dir="t"/>
+    </dgm:scene3d>
+    <dgm:sp3d/>
+    <dgm:txPr/>
+    <dgm:style>
+      <a:lnRef idx="0">
+        <a:scrgbClr r="0" g="0" b="0"/>
+      </a:lnRef>
+      <a:fillRef idx="0">
+        <a:scrgbClr r="0" g="0" b="0"/>
+      </a:fillRef>
+      <a:effectRef idx="0">
+        <a:scrgbClr r="0" g="0" b="0"/>
+      </a:effectRef>
+      <a:fontRef idx="minor"/>
+    </dgm:style>
+  </dgm:styleLbl>
+</dgm:styleDef>
+</file>
+
 <file path=ppt/drawings/drawing1.xml><?xml version="1.0" encoding="utf-8"?>
 <c:userShapes xmlns:c="http://schemas.openxmlformats.org/drawingml/2006/chart">
   <cdr:relSizeAnchor xmlns:cdr="http://schemas.openxmlformats.org/drawingml/2006/chartDrawing">
@@ -3633,7 +7627,7 @@
           <a:p>
             <a:fld id="{D98EE1B2-4361-4224-BA10-51A766A2B379}" type="datetimeFigureOut">
               <a:rPr lang="de-DE" smtClean="0"/>
-              <a:t>06.06.2023</a:t>
+              <a:t>03.08.2023</a:t>
             </a:fld>
             <a:endParaRPr lang="de-DE"/>
           </a:p>
@@ -3831,7 +7825,7 @@
           <a:p>
             <a:fld id="{D98EE1B2-4361-4224-BA10-51A766A2B379}" type="datetimeFigureOut">
               <a:rPr lang="de-DE" smtClean="0"/>
-              <a:t>06.06.2023</a:t>
+              <a:t>03.08.2023</a:t>
             </a:fld>
             <a:endParaRPr lang="de-DE"/>
           </a:p>
@@ -4039,7 +8033,7 @@
           <a:p>
             <a:fld id="{D98EE1B2-4361-4224-BA10-51A766A2B379}" type="datetimeFigureOut">
               <a:rPr lang="de-DE" smtClean="0"/>
-              <a:t>06.06.2023</a:t>
+              <a:t>03.08.2023</a:t>
             </a:fld>
             <a:endParaRPr lang="de-DE"/>
           </a:p>
@@ -4237,7 +8231,7 @@
           <a:p>
             <a:fld id="{D98EE1B2-4361-4224-BA10-51A766A2B379}" type="datetimeFigureOut">
               <a:rPr lang="de-DE" smtClean="0"/>
-              <a:t>06.06.2023</a:t>
+              <a:t>03.08.2023</a:t>
             </a:fld>
             <a:endParaRPr lang="de-DE"/>
           </a:p>
@@ -4512,7 +8506,7 @@
           <a:p>
             <a:fld id="{D98EE1B2-4361-4224-BA10-51A766A2B379}" type="datetimeFigureOut">
               <a:rPr lang="de-DE" smtClean="0"/>
-              <a:t>06.06.2023</a:t>
+              <a:t>03.08.2023</a:t>
             </a:fld>
             <a:endParaRPr lang="de-DE"/>
           </a:p>
@@ -4777,7 +8771,7 @@
           <a:p>
             <a:fld id="{D98EE1B2-4361-4224-BA10-51A766A2B379}" type="datetimeFigureOut">
               <a:rPr lang="de-DE" smtClean="0"/>
-              <a:t>06.06.2023</a:t>
+              <a:t>03.08.2023</a:t>
             </a:fld>
             <a:endParaRPr lang="de-DE"/>
           </a:p>
@@ -5189,7 +9183,7 @@
           <a:p>
             <a:fld id="{D98EE1B2-4361-4224-BA10-51A766A2B379}" type="datetimeFigureOut">
               <a:rPr lang="de-DE" smtClean="0"/>
-              <a:t>06.06.2023</a:t>
+              <a:t>03.08.2023</a:t>
             </a:fld>
             <a:endParaRPr lang="de-DE"/>
           </a:p>
@@ -5330,7 +9324,7 @@
           <a:p>
             <a:fld id="{D98EE1B2-4361-4224-BA10-51A766A2B379}" type="datetimeFigureOut">
               <a:rPr lang="de-DE" smtClean="0"/>
-              <a:t>06.06.2023</a:t>
+              <a:t>03.08.2023</a:t>
             </a:fld>
             <a:endParaRPr lang="de-DE"/>
           </a:p>
@@ -5443,7 +9437,7 @@
           <a:p>
             <a:fld id="{D98EE1B2-4361-4224-BA10-51A766A2B379}" type="datetimeFigureOut">
               <a:rPr lang="de-DE" smtClean="0"/>
-              <a:t>06.06.2023</a:t>
+              <a:t>03.08.2023</a:t>
             </a:fld>
             <a:endParaRPr lang="de-DE"/>
           </a:p>
@@ -5754,7 +9748,7 @@
           <a:p>
             <a:fld id="{D98EE1B2-4361-4224-BA10-51A766A2B379}" type="datetimeFigureOut">
               <a:rPr lang="de-DE" smtClean="0"/>
-              <a:t>06.06.2023</a:t>
+              <a:t>03.08.2023</a:t>
             </a:fld>
             <a:endParaRPr lang="de-DE"/>
           </a:p>
@@ -6042,7 +10036,7 @@
           <a:p>
             <a:fld id="{D98EE1B2-4361-4224-BA10-51A766A2B379}" type="datetimeFigureOut">
               <a:rPr lang="de-DE" smtClean="0"/>
-              <a:t>06.06.2023</a:t>
+              <a:t>03.08.2023</a:t>
             </a:fld>
             <a:endParaRPr lang="de-DE"/>
           </a:p>
@@ -6283,7 +10277,7 @@
           <a:p>
             <a:fld id="{D98EE1B2-4361-4224-BA10-51A766A2B379}" type="datetimeFigureOut">
               <a:rPr lang="de-DE" smtClean="0"/>
-              <a:t>06.06.2023</a:t>
+              <a:t>03.08.2023</a:t>
             </a:fld>
             <a:endParaRPr lang="de-DE"/>
           </a:p>
@@ -9730,6 +13724,64 @@
 </p:sld>
 </file>
 
+<file path=ppt/slides/slide4.xml><?xml version="1.0" encoding="utf-8"?>
+<p:sld xmlns:a="http://schemas.openxmlformats.org/drawingml/2006/main" xmlns:r="http://schemas.openxmlformats.org/officeDocument/2006/relationships" xmlns:p="http://schemas.openxmlformats.org/presentationml/2006/main">
+  <p:cSld>
+    <p:spTree>
+      <p:nvGrpSpPr>
+        <p:cNvPr id="1" name=""/>
+        <p:cNvGrpSpPr/>
+        <p:nvPr/>
+      </p:nvGrpSpPr>
+      <p:grpSpPr>
+        <a:xfrm>
+          <a:off x="0" y="0"/>
+          <a:ext cx="0" cy="0"/>
+          <a:chOff x="0" y="0"/>
+          <a:chExt cx="0" cy="0"/>
+        </a:xfrm>
+      </p:grpSpPr>
+      <p:graphicFrame>
+        <p:nvGraphicFramePr>
+          <p:cNvPr id="3" name="Diagramm 2">
+            <a:extLst>
+              <a:ext uri="{FF2B5EF4-FFF2-40B4-BE49-F238E27FC236}">
+                <a16:creationId xmlns:a16="http://schemas.microsoft.com/office/drawing/2014/main" id="{EF765924-BC8C-5F30-7A09-B3B55057CC44}"/>
+              </a:ext>
+            </a:extLst>
+          </p:cNvPr>
+          <p:cNvGraphicFramePr/>
+          <p:nvPr>
+            <p:extLst>
+              <p:ext uri="{D42A27DB-BD31-4B8C-83A1-F6EECF244321}">
+                <p14:modId xmlns:p14="http://schemas.microsoft.com/office/powerpoint/2010/main" val="3773247655"/>
+              </p:ext>
+            </p:extLst>
+          </p:nvPr>
+        </p:nvGraphicFramePr>
+        <p:xfrm>
+          <a:off x="2032000" y="719666"/>
+          <a:ext cx="8128000" cy="5418667"/>
+        </p:xfrm>
+        <a:graphic>
+          <a:graphicData uri="http://schemas.openxmlformats.org/drawingml/2006/diagram">
+            <dgm:relIds xmlns:dgm="http://schemas.openxmlformats.org/drawingml/2006/diagram" xmlns:r="http://schemas.openxmlformats.org/officeDocument/2006/relationships" r:dm="rId2" r:lo="rId3" r:qs="rId4" r:cs="rId5"/>
+          </a:graphicData>
+        </a:graphic>
+      </p:graphicFrame>
+    </p:spTree>
+    <p:extLst>
+      <p:ext uri="{BB962C8B-B14F-4D97-AF65-F5344CB8AC3E}">
+        <p14:creationId xmlns:p14="http://schemas.microsoft.com/office/powerpoint/2010/main" val="2452852783"/>
+      </p:ext>
+    </p:extLst>
+  </p:cSld>
+  <p:clrMapOvr>
+    <a:masterClrMapping/>
+  </p:clrMapOvr>
+</p:sld>
+</file>
+
 <file path=ppt/theme/theme1.xml><?xml version="1.0" encoding="utf-8"?>
 <a:theme xmlns:a="http://schemas.openxmlformats.org/drawingml/2006/main" name="Office">
   <a:themeElements>
